--- a/resources/class23/intuitive-graph-traversals.pptx
+++ b/resources/class23/intuitive-graph-traversals.pptx
@@ -7590,7 +7590,7 @@
           <inkml:channelProperty channel="OE" name="resolution" value="1000" units="1/deg"/>
         </inkml:channelProperties>
       </inkml:inkSource>
-      <inkml:timestamp xml:id="ts0" timeString="2021-12-10T00:56:59.541"/>
+      <inkml:timestamp xml:id="ts0" timeString="2022-12-07T05:01:45.167"/>
     </inkml:context>
     <inkml:brush xml:id="br0">
       <inkml:brushProperty name="width" value="0.05" units="cm"/>
@@ -7598,7 +7598,7 @@
       <inkml:brushProperty name="color" value="#E71224"/>
     </inkml:brush>
   </inkml:definitions>
-  <inkml:trace contextRef="#ctx0" brushRef="#br0">0 28 160 0 0,'5'-28'16792'0'0,"17"433"-16552"0"0,-20-376-334 0 0,3 69-1298 0 0,-4-33-4541 0 0,-1-65 5720 0 0,0 1 0 0 0,0 0 0 0 0,0-1 0 0 0,0 1 0 0 0,0-1 0 0 0,0 1 0 0 0,0-1 0 0 0,0 1 0 0 0,0 0 0 0 0,0-1 1 0 0,1 1-1 0 0,-1-1 0 0 0,0 1 0 0 0,0-1 0 0 0,1 1 0 0 0,-1-1 0 0 0,0 1 0 0 0,0-1 0 0 0,1 1 0 0 0,-1-1 0 0 0,1 1 0 0 0,-1-1 0 0 0,0 1 0 0 0,1-1 0 0 0,-1 0 0 0 0,1 1 0 0 0,-1-1 1 0 0,1 0-1 0 0,-1 1 0 0 0,1-1 0 0 0,-1 0 0 0 0,1 0 0 0 0,0 1 0 0 0</inkml:trace>
+  <inkml:trace contextRef="#ctx0" brushRef="#br0">288 35 1148 0 0,'0'5'9023'0'0,"-4"-7"-6046"0"0,-2-3-2848 0 0,-1 0-397 0 0,1 1 272 0 0,-1 0 0 0 0,0 1-1 0 0,-1 0 1 0 0,1 0 0 0 0,0 0 0 0 0,-1 1-1 0 0,0 0 1 0 0,1 1 0 0 0,-1 0 0 0 0,0 0-1 0 0,0 0 1 0 0,0 1 0 0 0,0 1 0 0 0,1-1-1 0 0,-15 3 1 0 0,16-2 4 0 0,1 1 0 0 0,-1-1-1 0 0,0 1 1 0 0,1 0 0 0 0,-1 0 0 0 0,1 1 0 0 0,0 0-1 0 0,0 0 1 0 0,0 0 0 0 0,0 0 0 0 0,0 1 0 0 0,1 0-1 0 0,-1 0 1 0 0,1 0 0 0 0,0 0 0 0 0,1 1 0 0 0,-1-1-1 0 0,1 1 1 0 0,0 0 0 0 0,0 0 0 0 0,-4 9 0 0 0,-1 11 7 0 0,1 0 0 0 0,2 0 0 0 0,0 0 0 0 0,1 1 1 0 0,2-1-1 0 0,1 1 0 0 0,0 0 0 0 0,2 0 0 0 0,5 30 1 0 0,-4-48 33 0 0,1 0 1 0 0,-1 0-1 0 0,1 0 1 0 0,1-1 0 0 0,-1 1-1 0 0,1-1 1 0 0,1 0 0 0 0,-1 0-1 0 0,1-1 1 0 0,1 1-1 0 0,-1-1 1 0 0,1 0 0 0 0,0 0-1 0 0,8 5 1 0 0,-12-9-51 0 0,1 0 0 0 0,-1 0 0 0 0,0 0 1 0 0,1 0-1 0 0,-1-1 0 0 0,1 1 0 0 0,0-1 0 0 0,-1 0 1 0 0,1 0-1 0 0,0 0 0 0 0,0 0 0 0 0,0-1 0 0 0,0 1 1 0 0,0-1-1 0 0,0 1 0 0 0,0-1 0 0 0,0 0 0 0 0,0 0 1 0 0,0 0-1 0 0,0-1 0 0 0,0 1 0 0 0,0-1 0 0 0,-1 0 1 0 0,1 1-1 0 0,0-1 0 0 0,0-1 0 0 0,0 1 0 0 0,-1 0 1 0 0,1-1-1 0 0,-1 1 0 0 0,1-1 0 0 0,-1 0 0 0 0,1 0 1 0 0,-1 0-1 0 0,0 0 0 0 0,0 0 0 0 0,0 0 0 0 0,0 0 1 0 0,-1-1-1 0 0,1 1 0 0 0,2-6 0 0 0,36-45-129 0 0,-31 37 117 0 0,1 0 1 0 0,1 1 0 0 0,18-21-1 0 0,-28 35 14 0 0,-1 0 1 0 0,1 0-1 0 0,-1 0 0 0 0,1 1 0 0 0,0-1 0 0 0,-1 0 0 0 0,1 0 1 0 0,0 1-1 0 0,0-1 0 0 0,-1 0 0 0 0,1 1 0 0 0,0-1 0 0 0,0 1 1 0 0,0-1-1 0 0,0 1 0 0 0,0-1 0 0 0,0 1 0 0 0,0 0 0 0 0,0 0 0 0 0,0-1 1 0 0,0 1-1 0 0,0 0 0 0 0,0 0 0 0 0,0 0 0 0 0,0 0 0 0 0,0 0 1 0 0,0 0-1 0 0,0 0 0 0 0,0 0 0 0 0,0 1 0 0 0,0-1 0 0 0,0 0 1 0 0,0 1-1 0 0,0-1 0 0 0,0 0 0 0 0,0 1 0 0 0,0-1 0 0 0,0 1 1 0 0,0 0-1 0 0,-1-1 0 0 0,1 1 0 0 0,0 0 0 0 0,0-1 0 0 0,-1 1 1 0 0,1 0-1 0 0,0 0 0 0 0,-1 0 0 0 0,1 0 0 0 0,-1-1 0 0 0,1 1 0 0 0,-1 0 1 0 0,1 0-1 0 0,-1 0 0 0 0,0 1 0 0 0,6 11-17 0 0,-1-1-1 0 0,-1 1 0 0 0,5 21 1 0 0,-3-9-52 0 0,6 14-390 0 0,-8-22-679 0 0,1-1 1 0 0,13 30 0 0 0,-16-43 731 0 0,-1 0 1 0 0,1 0 0 0 0,0 0 0 0 0,0 0-1 0 0,0 0 1 0 0,0 0 0 0 0,1-1 0 0 0,-1 1-1 0 0,1-1 1 0 0,-1 0 0 0 0,1 1 0 0 0,0-1 0 0 0,0 0-1 0 0,0-1 1 0 0,0 1 0 0 0,0 0 0 0 0,1-1-1 0 0,-1 0 1 0 0,5 2 0 0 0,3-3-1057 0 0</inkml:trace>
 </inkml:ink>
 </file>
 
@@ -7622,7 +7622,7 @@
           <inkml:channelProperty channel="OE" name="resolution" value="1000" units="1/deg"/>
         </inkml:channelProperties>
       </inkml:inkSource>
-      <inkml:timestamp xml:id="ts0" timeString="2021-12-10T00:56:59.915"/>
+      <inkml:timestamp xml:id="ts0" timeString="2022-12-07T05:01:46.045"/>
     </inkml:context>
     <inkml:brush xml:id="br0">
       <inkml:brushProperty name="width" value="0.05" units="cm"/>
@@ -7630,7 +7630,7 @@
       <inkml:brushProperty name="color" value="#E71224"/>
     </inkml:brush>
   </inkml:definitions>
-  <inkml:trace contextRef="#ctx0" brushRef="#br0">20 129 600 0 0,'-20'20'16472'0'0,"52"-25"-13033"0"0,43-14-3201 0 0,73-28 1 0 0,-5-12-5388 0 0,-126 47 1470 0 0,-7 5-37 0 0</inkml:trace>
+  <inkml:trace contextRef="#ctx0" brushRef="#br0">0 17 260 0 0,'13'-17'12647'0'0,"-11"23"-9123"0"0,-2 8-4240 0 0,0 73 888 0 0,4 167-982 0 0,-2-182-1081 0 0,-2-46-766 0 0,1 0 0 0 0,6 37-1 0 0,-6-36-1315 0 0,-1-22 2940 0 0</inkml:trace>
 </inkml:ink>
 </file>
 
@@ -7654,7 +7654,7 @@
           <inkml:channelProperty channel="OE" name="resolution" value="1000" units="1/deg"/>
         </inkml:channelProperties>
       </inkml:inkSource>
-      <inkml:timestamp xml:id="ts0" timeString="2021-12-10T00:57:00.275"/>
+      <inkml:timestamp xml:id="ts0" timeString="2022-12-07T05:01:46.432"/>
     </inkml:context>
     <inkml:brush xml:id="br0">
       <inkml:brushProperty name="width" value="0.05" units="cm"/>
@@ -7662,7 +7662,7 @@
       <inkml:brushProperty name="color" value="#E71224"/>
     </inkml:brush>
   </inkml:definitions>
-  <inkml:trace contextRef="#ctx0" brushRef="#br0">0 260 580 0 0,'3'-5'9081'0'0,"5"1"-4201"0"0,27-7-2562 0 0,-24 8-1313 0 0,230-74 484 0 0,-5-18-4096 0 0,-224 90 2250 0 0,95-39-5539 0 0,-95 40 4639 0 0,0 1 0 0 0,0 0 0 0 0,1 1 0 0 0,0 0 1 0 0,-1 1-1 0 0,25 0 0 0 0,-11 5-322 0 0</inkml:trace>
+  <inkml:trace contextRef="#ctx0" brushRef="#br0">4 120 432 0 0,'-3'2'12744'0'0,"91"-32"-9780"0"0,-8 4-2980 0 0,-50 14-166 0 0,1 2 1 0 0,1 2-1 0 0,47-8 1 0 0,-1 6-6125 0 0,-71 10 4850 0 0,-6 0 988 0 0,1 0 0 0 0,0 0-1 0 0,0-1 1 0 0,0 1 0 0 0,-1 0-1 0 0,1-1 1 0 0,0 1 0 0 0,0-1-1 0 0,-1 0 1 0 0,1 1 0 0 0,0-1-1 0 0,1-1 1 0 0,1 0-892 0 0</inkml:trace>
 </inkml:ink>
 </file>
 
@@ -7686,7 +7686,7 @@
           <inkml:channelProperty channel="OE" name="resolution" value="1000" units="1/deg"/>
         </inkml:channelProperties>
       </inkml:inkSource>
-      <inkml:timestamp xml:id="ts0" timeString="2021-12-10T00:57:00.929"/>
+      <inkml:timestamp xml:id="ts0" timeString="2022-12-07T05:01:46.848"/>
     </inkml:context>
     <inkml:brush xml:id="br0">
       <inkml:brushProperty name="width" value="0.05" units="cm"/>
@@ -7694,7 +7694,7 @@
       <inkml:brushProperty name="color" value="#E71224"/>
     </inkml:brush>
   </inkml:definitions>
-  <inkml:trace contextRef="#ctx0" brushRef="#br0">174 0 500 0 0,'0'0'2338'0'0,"2"15"3447"0"0,1 22-3388 0 0,-2-12-1036 0 0,1-1-1 0 0,8 43 1 0 0,39 102-263 0 0,-6-29-806 0 0,-41-132-289 0 0,0-1 0 0 0,0 1 0 0 0,-1 0 0 0 0,0 0 0 0 0,-1 0 0 0 0,1 0 0 0 0,-1 0 0 0 0,-1 0 0 0 0,0 0 0 0 0,-2 9 0 0 0,2-15-9 0 0,1 0-1 0 0,-1 0 0 0 0,0 0 1 0 0,0 0-1 0 0,0-1 1 0 0,0 1-1 0 0,-1 0 1 0 0,1-1-1 0 0,0 1 1 0 0,-1 0-1 0 0,1-1 1 0 0,-1 0-1 0 0,1 1 1 0 0,-1-1-1 0 0,0 0 0 0 0,0 0 1 0 0,-1 1-1 0 0,-1-1-22 0 0,0 1 0 0 0,0-1 0 0 0,0-1 0 0 0,1 1 0 0 0,-1-1-1 0 0,0 1 1 0 0,0-1 0 0 0,0 0 0 0 0,0 0 0 0 0,0-1-1 0 0,0 1 1 0 0,-4-2 0 0 0,-9-2-504 0 0,0 0 0 0 0,0-2-1 0 0,1 0 1 0 0,0 0 0 0 0,0-2 0 0 0,-17-10-1 0 0,28 16 65 0 0,0-1-1 0 0,0-1 1 0 0,0 1-1 0 0,0-1 1 0 0,1 0-1 0 0,-1 0 0 0 0,1 0 1 0 0,0-1-1 0 0,0 1 1 0 0,0-1-1 0 0,1 0 1 0 0,0 0-1 0 0,0 0 0 0 0,0-1 1 0 0,1 1-1 0 0,-1-1 1 0 0,1 1-1 0 0,0-1 1 0 0,1 0-1 0 0,0 0 0 0 0,-1-7 1 0 0,5-2-804 0 0</inkml:trace>
+  <inkml:trace contextRef="#ctx0" brushRef="#br0">0 185 544 0 0,'10'-3'10609'0'0,"36"-11"-8278"0"0,162-63-2977 0 0,-124 50-4966 0 0,153-31-1 0 0,-197 52 4348 0 0</inkml:trace>
 </inkml:ink>
 </file>
 
@@ -7718,7 +7718,7 @@
           <inkml:channelProperty channel="OE" name="resolution" value="1000" units="1/deg"/>
         </inkml:channelProperties>
       </inkml:inkSource>
-      <inkml:timestamp xml:id="ts0" timeString="2021-12-10T00:57:01.253"/>
+      <inkml:timestamp xml:id="ts0" timeString="2022-12-07T05:01:47.783"/>
     </inkml:context>
     <inkml:brush xml:id="br0">
       <inkml:brushProperty name="width" value="0.05" units="cm"/>
@@ -7726,7 +7726,7 @@
       <inkml:brushProperty name="color" value="#E71224"/>
     </inkml:brush>
   </inkml:definitions>
-  <inkml:trace contextRef="#ctx0" brushRef="#br0">475 6 480 0 0,'18'-6'4759'0'0,"-46"9"-1898"0"0,2-1-2204 0 0,-152 18 671 0 0,153-15-1933 0 0,1 0 0 0 0,0 2 0 0 0,1 0 0 0 0,-1 2 0 0 0,-26 13 0 0 0,41-16 21 0 0,1-1-1 0 0,-1 1 1 0 0,1 0-1 0 0,1 1 1 0 0,-1 0-1 0 0,1 0 1 0 0,0 0-1 0 0,-6 10 1 0 0,-2 3-531 0 0</inkml:trace>
+  <inkml:trace contextRef="#ctx0" brushRef="#br0">275 1 232 0 0,'1'3'8517'0'0,"2"4"-4063"0"0,13 37-2977 0 0,13 54-1229 0 0,-21-72-243 0 0,-1 0 0 0 0,-1 1 0 0 0,4 52 0 0 0,-6-43-12 0 0,-3-28-37 0 0,0-1-1 0 0,0 0 0 0 0,-1 1 1 0 0,0-1-1 0 0,-1 0 0 0 0,0 1 1 0 0,0-1-1 0 0,0 0 0 0 0,-1 0 1 0 0,0 1-1 0 0,-1-2 0 0 0,1 1 1 0 0,-1 0-1 0 0,-1 0 1 0 0,1-1-1 0 0,-1 0 0 0 0,0 1 1 0 0,-1-1-1 0 0,1-1 0 0 0,-1 1 1 0 0,0-1-1 0 0,0 0 0 0 0,-1 0 1 0 0,0 0-1 0 0,0-1 0 0 0,0 0 1 0 0,0 0-1 0 0,-1-1 0 0 0,1 1 1 0 0,-1-1-1 0 0,0-1 0 0 0,0 1 1 0 0,0-1-1 0 0,0-1 0 0 0,0 1 1 0 0,-1-1-1 0 0,1 0 0 0 0,0-1 1 0 0,-1 0-1 0 0,1 0 0 0 0,-1 0 1 0 0,1-1-1 0 0,0 0 1 0 0,-12-4-1 0 0,8 2-608 0 0,-1 0-1 0 0,1-1 1 0 0,-1 0 0 0 0,1-1 0 0 0,-13-8 0 0 0,18 9 17 0 0,1 1 0 0 0,0-1 0 0 0,0-1 0 0 0,0 1 1 0 0,1-1-1 0 0,-1 1 0 0 0,1-1 0 0 0,0 0 0 0 0,1-1 0 0 0,-1 1 1 0 0,-4-11-1 0 0,3 4-507 0 0</inkml:trace>
 </inkml:ink>
 </file>
 
@@ -7750,7 +7750,7 @@
           <inkml:channelProperty channel="OE" name="resolution" value="1000" units="1/deg"/>
         </inkml:channelProperties>
       </inkml:inkSource>
-      <inkml:timestamp xml:id="ts0" timeString="2021-12-10T00:57:02.225"/>
+      <inkml:timestamp xml:id="ts0" timeString="2022-12-07T05:01:48.218"/>
     </inkml:context>
     <inkml:brush xml:id="br0">
       <inkml:brushProperty name="width" value="0.05" units="cm"/>
@@ -7758,132 +7758,7 @@
       <inkml:brushProperty name="color" value="#E71224"/>
     </inkml:brush>
   </inkml:definitions>
-  <inkml:trace contextRef="#ctx0" brushRef="#br0">228 8 580 0 0,'28'-4'12014'0'0,"-41"2"-11440"0"0,6 1-525 0 0,1 1 0 0 0,-1 0 0 0 0,0 0 0 0 0,0 0 0 0 0,1 1 0 0 0,-1 0 0 0 0,1 0 0 0 0,-1 1 0 0 0,1 0 0 0 0,-1 0 0 0 0,1 1 0 0 0,0-1 0 0 0,0 1 0 0 0,-7 5 0 0 0,5-2 11 0 0,0 0-1 0 0,0 1 0 0 0,1 0 1 0 0,-1 0-1 0 0,1 1 0 0 0,1 0 1 0 0,0 0-1 0 0,-8 14 1 0 0,3-2-26 0 0,2 0 1 0 0,0 0-1 0 0,2 1 1 0 0,0 0-1 0 0,1 0 1 0 0,1 1-1 0 0,1-1 1 0 0,-1 25-1 0 0,2-7 15 0 0,2 1-1 0 0,6 49 1 0 0,-4-76 22 0 0,1 0-1 0 0,0 0 1 0 0,1-1 0 0 0,1 1 0 0 0,0-1-1 0 0,1 1 1 0 0,0-1 0 0 0,1-1 0 0 0,0 1-1 0 0,14 19 1 0 0,-18-28-55 0 0,1-1 1 0 0,-1 1-1 0 0,0 0 1 0 0,1-1-1 0 0,0 0 0 0 0,0 0 1 0 0,-1 0-1 0 0,1 0 0 0 0,0 0 1 0 0,1 0-1 0 0,-1-1 1 0 0,0 1-1 0 0,0-1 0 0 0,1 0 1 0 0,-1 0-1 0 0,1 0 0 0 0,-1-1 1 0 0,1 1-1 0 0,3-1 0 0 0,-1 0-10 0 0,0-1 0 0 0,0 0 0 0 0,0 0 0 0 0,0 0 0 0 0,0-1 0 0 0,-1 0 0 0 0,1 0 0 0 0,0 0 0 0 0,-1-1 0 0 0,8-5 0 0 0,1-1-23 0 0,0-1 1 0 0,-1-1-1 0 0,0-1 0 0 0,-1 0 1 0 0,0 0-1 0 0,20-28 1 0 0,7-12-18 0 0,-37 53 24 0 0,-1 0 0 0 0,0-1 0 0 0,1 1 0 0 0,-1 0 1 0 0,0 0-1 0 0,0 0 0 0 0,0 0 0 0 0,0 0 0 0 0,0 0 0 0 0,0 0 1 0 0,0 0-1 0 0,0 1 0 0 0,0-1 0 0 0,0 0 0 0 0,0 1 0 0 0,-1-1 0 0 0,1 0 1 0 0,-1 1-1 0 0,1-1 0 0 0,0 3 0 0 0,22 46-163 0 0,-21-45 121 0 0,20 48-741 0 0,-11-26-1795 0 0,1 1 0 0 0,1-2 0 0 0,28 43 0 0 0,-30-52 841 0 0,-1 1 208 0 0</inkml:trace>
-</inkml:ink>
-</file>
-
-<file path=ppt/ink/ink316.xml><?xml version="1.0" encoding="utf-8"?>
-<inkml:ink xmlns:inkml="http://www.w3.org/2003/InkML">
-  <inkml:definitions>
-    <inkml:context xml:id="ctx0">
-      <inkml:inkSource xml:id="inkSrc0">
-        <inkml:traceFormat>
-          <inkml:channel name="X" type="integer" min="-2.14748E9" max="2.14748E9" units="cm"/>
-          <inkml:channel name="Y" type="integer" min="-2.14748E9" max="2.14748E9" units="cm"/>
-          <inkml:channel name="F" type="integer" max="32767" units="dev"/>
-          <inkml:channel name="OA" type="integer" max="360" units="deg"/>
-          <inkml:channel name="OE" type="integer" max="90" units="deg"/>
-        </inkml:traceFormat>
-        <inkml:channelProperties>
-          <inkml:channelProperty channel="X" name="resolution" value="1000" units="1/cm"/>
-          <inkml:channelProperty channel="Y" name="resolution" value="1000" units="1/cm"/>
-          <inkml:channelProperty channel="F" name="resolution" value="0" units="1/dev"/>
-          <inkml:channelProperty channel="OA" name="resolution" value="1000" units="1/deg"/>
-          <inkml:channelProperty channel="OE" name="resolution" value="1000" units="1/deg"/>
-        </inkml:channelProperties>
-      </inkml:inkSource>
-      <inkml:timestamp xml:id="ts0" timeString="2021-12-10T00:57:09.773"/>
-    </inkml:context>
-    <inkml:brush xml:id="br0">
-      <inkml:brushProperty name="width" value="0.05" units="cm"/>
-      <inkml:brushProperty name="height" value="0.05" units="cm"/>
-    </inkml:brush>
-  </inkml:definitions>
-  <inkml:trace contextRef="#ctx0" brushRef="#br0">11 100 24 0 0,'-10'-9'17372'0'0,"45"-1"-17270"0"0,29-15-2967 0 0,26-23-9380 0 0,-79 41 10881 0 0</inkml:trace>
-</inkml:ink>
-</file>
-
-<file path=ppt/ink/ink317.xml><?xml version="1.0" encoding="utf-8"?>
-<inkml:ink xmlns:inkml="http://www.w3.org/2003/InkML">
-  <inkml:definitions>
-    <inkml:context xml:id="ctx0">
-      <inkml:inkSource xml:id="inkSrc0">
-        <inkml:traceFormat>
-          <inkml:channel name="X" type="integer" min="-2.14748E9" max="2.14748E9" units="cm"/>
-          <inkml:channel name="Y" type="integer" min="-2.14748E9" max="2.14748E9" units="cm"/>
-          <inkml:channel name="F" type="integer" max="32767" units="dev"/>
-          <inkml:channel name="OA" type="integer" max="360" units="deg"/>
-          <inkml:channel name="OE" type="integer" max="90" units="deg"/>
-        </inkml:traceFormat>
-        <inkml:channelProperties>
-          <inkml:channelProperty channel="X" name="resolution" value="1000" units="1/cm"/>
-          <inkml:channelProperty channel="Y" name="resolution" value="1000" units="1/cm"/>
-          <inkml:channelProperty channel="F" name="resolution" value="0" units="1/dev"/>
-          <inkml:channelProperty channel="OA" name="resolution" value="1000" units="1/deg"/>
-          <inkml:channelProperty channel="OE" name="resolution" value="1000" units="1/deg"/>
-        </inkml:channelProperties>
-      </inkml:inkSource>
-      <inkml:timestamp xml:id="ts0" timeString="2021-12-10T00:57:10.095"/>
-    </inkml:context>
-    <inkml:brush xml:id="br0">
-      <inkml:brushProperty name="width" value="0.05" units="cm"/>
-      <inkml:brushProperty name="height" value="0.05" units="cm"/>
-    </inkml:brush>
-  </inkml:definitions>
-  <inkml:trace contextRef="#ctx0" brushRef="#br0">1 109 40 0 0,'0'-1'266'0'0,"1"-1"1"0"0,-1 1-1 0 0,0 0 1 0 0,1 0-1 0 0,-1 0 1 0 0,1 0-1 0 0,-1-1 0 0 0,1 1 1 0 0,0 0-1 0 0,0 0 1 0 0,-1 0-1 0 0,1 0 1 0 0,0 0-1 0 0,0 1 0 0 0,0-1 1 0 0,0 0-1 0 0,0 0 1 0 0,0 1-1 0 0,0-1 1 0 0,2 0-1 0 0,-2 0-178 0 0,0 0 0 0 0,0 1 0 0 0,1-1 0 0 0,-1 0 0 0 0,0 0 0 0 0,0 0 0 0 0,0 1 0 0 0,0-1 0 0 0,0 0 0 0 0,0-1 0 0 0,-1 1-1 0 0,1 0 1 0 0,0 0 0 0 0,0 0 0 0 0,-1 0 0 0 0,1 0 0 0 0,-1-1 0 0 0,1 1 0 0 0,-1 0 0 0 0,1-3 0 0 0,10-30-2904 0 0,0 12-662 0 0,-3 15 2630 0 0</inkml:trace>
-</inkml:ink>
-</file>
-
-<file path=ppt/ink/ink318.xml><?xml version="1.0" encoding="utf-8"?>
-<inkml:ink xmlns:inkml="http://www.w3.org/2003/InkML">
-  <inkml:definitions>
-    <inkml:context xml:id="ctx0">
-      <inkml:inkSource xml:id="inkSrc0">
-        <inkml:traceFormat>
-          <inkml:channel name="X" type="integer" min="-2.14748E9" max="2.14748E9" units="cm"/>
-          <inkml:channel name="Y" type="integer" min="-2.14748E9" max="2.14748E9" units="cm"/>
-          <inkml:channel name="F" type="integer" max="32767" units="dev"/>
-          <inkml:channel name="OA" type="integer" max="360" units="deg"/>
-          <inkml:channel name="OE" type="integer" max="90" units="deg"/>
-        </inkml:traceFormat>
-        <inkml:channelProperties>
-          <inkml:channelProperty channel="X" name="resolution" value="1000" units="1/cm"/>
-          <inkml:channelProperty channel="Y" name="resolution" value="1000" units="1/cm"/>
-          <inkml:channelProperty channel="F" name="resolution" value="0" units="1/dev"/>
-          <inkml:channelProperty channel="OA" name="resolution" value="1000" units="1/deg"/>
-          <inkml:channelProperty channel="OE" name="resolution" value="1000" units="1/deg"/>
-        </inkml:channelProperties>
-      </inkml:inkSource>
-      <inkml:timestamp xml:id="ts0" timeString="2021-12-10T00:57:10.452"/>
-    </inkml:context>
-    <inkml:brush xml:id="br0">
-      <inkml:brushProperty name="width" value="0.05" units="cm"/>
-      <inkml:brushProperty name="height" value="0.05" units="cm"/>
-    </inkml:brush>
-  </inkml:definitions>
-  <inkml:trace contextRef="#ctx0" brushRef="#br0">16 135 540 0 0,'0'-3'342'0'0,"0"-11"846"0"0,-1-9-452 0 0,-1 0-749 0 0,-6-8-162 0 0,4-1-1584 0 0,4 23 1148 0 0</inkml:trace>
-</inkml:ink>
-</file>
-
-<file path=ppt/ink/ink319.xml><?xml version="1.0" encoding="utf-8"?>
-<inkml:ink xmlns:inkml="http://www.w3.org/2003/InkML">
-  <inkml:definitions>
-    <inkml:context xml:id="ctx0">
-      <inkml:inkSource xml:id="inkSrc0">
-        <inkml:traceFormat>
-          <inkml:channel name="X" type="integer" min="-2.14748E9" max="2.14748E9" units="cm"/>
-          <inkml:channel name="Y" type="integer" min="-2.14748E9" max="2.14748E9" units="cm"/>
-          <inkml:channel name="F" type="integer" max="32767" units="dev"/>
-          <inkml:channel name="OA" type="integer" max="360" units="deg"/>
-          <inkml:channel name="OE" type="integer" max="90" units="deg"/>
-        </inkml:traceFormat>
-        <inkml:channelProperties>
-          <inkml:channelProperty channel="X" name="resolution" value="1000" units="1/cm"/>
-          <inkml:channelProperty channel="Y" name="resolution" value="1000" units="1/cm"/>
-          <inkml:channelProperty channel="F" name="resolution" value="0" units="1/dev"/>
-          <inkml:channelProperty channel="OA" name="resolution" value="1000" units="1/deg"/>
-          <inkml:channelProperty channel="OE" name="resolution" value="1000" units="1/deg"/>
-        </inkml:channelProperties>
-      </inkml:inkSource>
-      <inkml:timestamp xml:id="ts0" timeString="2021-12-10T00:57:10.887"/>
-    </inkml:context>
-    <inkml:brush xml:id="br0">
-      <inkml:brushProperty name="width" value="0.05" units="cm"/>
-      <inkml:brushProperty name="height" value="0.05" units="cm"/>
-    </inkml:brush>
-  </inkml:definitions>
-  <inkml:trace contextRef="#ctx0" brushRef="#br0">376 745 508 0 0,'-4'-9'596'0'0,"1"1"1"0"0,1-1-1 0 0,-1 0 0 0 0,1 0 1 0 0,-1-12-1 0 0,-4-18-89 0 0,-21-25-460 0 0,22 53-922 0 0,0 0 0 0 0,1 0 1 0 0,-5-17-1 0 0,9 18 34 0 0</inkml:trace>
-  <inkml:trace contextRef="#ctx0" brushRef="#br0" timeOffset="1">111 180 332 0 0,'-19'-36'1826'0'0,"6"9"-1408"0"0,1 11-280 0 0,-1 0-648 0 0,0-1 1 0 0,2 0-1 0 0,-13-25 1 0 0,19 33-139 0 0</inkml:trace>
+  <inkml:trace contextRef="#ctx0" brushRef="#br0">0 121 820 0 0,'7'-3'12102'0'0,"27"-10"-10699"0"0,37-14-920 0 0,39-10-1916 0 0,-71 25-1944 0 0,1 2 1 0 0,69-7 0 0 0,-85 15 1876 0 0,-3 4 202 0 0</inkml:trace>
 </inkml:ink>
 </file>
 
@@ -7916,163 +7791,6 @@
     </inkml:brush>
   </inkml:definitions>
   <inkml:trace contextRef="#ctx0" brushRef="#br0">161 371 140 0 0,'4'-19'3349'0'0,"1"1"1"0"0,1 0-1 0 0,13-27 1 0 0,-32 72-2635 0 0,2 1 0 0 0,2 0 1 0 0,0 1-1 0 0,-5 33 0 0 0,-22 145-805 0 0,36-206 98 0 0,-16 117-119 0 0,-35 175-977 0 0,48-277 974 0 0,3-13 84 0 0,-1 0 1 0 0,1 0 0 0 0,-1 0-1 0 0,0 0 1 0 0,1 0 0 0 0,-1-1 0 0 0,-1 1-1 0 0,1 0 1 0 0,0 0 0 0 0,-1-1 0 0 0,1 1-1 0 0,-4 4 1 0 0,4-7 25 0 0,1 0 0 0 0,0 0 0 0 0,0 0 0 0 0,-1 0 0 0 0,1 0 0 0 0,0 0 0 0 0,-1 0 0 0 0,1 1 0 0 0,0-1 0 0 0,0 0 0 0 0,-1 0 0 0 0,1 0 0 0 0,0 0 0 0 0,-1 0 0 0 0,1 0 0 0 0,0-1 0 0 0,-1 1 0 0 0,1 0 0 0 0,0 0 1 0 0,0 0-1 0 0,-1 0 0 0 0,1 0 0 0 0,0 0 0 0 0,-1 0 0 0 0,1-1 0 0 0,0 1 0 0 0,0 0 0 0 0,-1 0 0 0 0,1 0 0 0 0,0 0 0 0 0,0-1 0 0 0,0 1 0 0 0,-1 0 0 0 0,1 0 0 0 0,0-1 0 0 0,0 1 0 0 0,0 0 0 0 0,0 0 0 0 0,-1-1 0 0 0,1 1 0 0 0,0 0 0 0 0,0-1 0 0 0,0 1 0 0 0,0 0 0 0 0,0-1 0 0 0,0 1 0 0 0,0 0 0 0 0,0 0 0 0 0,0-1 0 0 0,0 1 0 0 0,0-1 0 0 0,-4-18-60 0 0,3-44-126 0 0,2 0-1 0 0,3 0 1 0 0,15-77-1 0 0,-4 27-3 0 0,-2-8 65 0 0,-6 36 183 0 0,4 0 0 0 0,3 0 0 0 0,38-123 0 0 0,-50 203-26 0 0,0 0 1 0 0,0 0-1 0 0,0 0 0 0 0,0 0 0 0 0,1 0 1 0 0,0 0-1 0 0,0 1 0 0 0,0 0 0 0 0,1-1 1 0 0,-1 1-1 0 0,8-6 0 0 0,-10 10-22 0 0,0-1 1 0 0,0 0-1 0 0,0 1 0 0 0,0-1 0 0 0,1 1 1 0 0,-1-1-1 0 0,0 1 0 0 0,0 0 0 0 0,1-1 1 0 0,-1 1-1 0 0,0 0 0 0 0,0 0 0 0 0,1 0 1 0 0,-1 0-1 0 0,0 0 0 0 0,0 0 0 0 0,1 0 1 0 0,-1 1-1 0 0,0-1 0 0 0,2 1 0 0 0,0 0-3 0 0,-1 1-1 0 0,1-1 1 0 0,-1 1-1 0 0,0-1 1 0 0,1 1-1 0 0,-1 0 1 0 0,0 0-1 0 0,0 1 1 0 0,0-1-1 0 0,0 0 1 0 0,0 0-1 0 0,1 4 1 0 0,13 19 19 0 0,-2 1 1 0 0,-1 1-1 0 0,20 54 0 0 0,15 92 29 0 0,-11-37-27 0 0,35 158-164 0 0,-67-270 37 0 0,-5-21 123 0 0,1 5-293 0 0,1-1 0 0 0,0 0 0 0 0,0 0 0 0 0,0 0 0 0 0,1 0 0 0 0,0-1 0 0 0,4 9 0 0 0,-6-14 66 0 0,0 0 0 0 0,0 0 0 0 0,0 0 0 0 0,0 0 1 0 0,0 0-1 0 0,0 0 0 0 0,0 0 0 0 0,0 0 0 0 0,1 0 0 0 0,-1-1 1 0 0,0 1-1 0 0,0-1 0 0 0,1 1 0 0 0,-1-1 0 0 0,1 1 0 0 0,-1-1 1 0 0,3 1-1 0 0,-2-1-264 0 0,1 0 1 0 0,0-1 0 0 0,0 1 0 0 0,-1-1-1 0 0,1 1 1 0 0,0-1 0 0 0,-1 0-1 0 0,1 0 1 0 0,-1 0 0 0 0,1 0-1 0 0,-1 0 1 0 0,4-3 0 0 0,1 0-901 0 0,-5-1 201 0 0</inkml:trace>
-</inkml:ink>
-</file>
-
-<file path=ppt/ink/ink320.xml><?xml version="1.0" encoding="utf-8"?>
-<inkml:ink xmlns:inkml="http://www.w3.org/2003/InkML">
-  <inkml:definitions>
-    <inkml:context xml:id="ctx0">
-      <inkml:inkSource xml:id="inkSrc0">
-        <inkml:traceFormat>
-          <inkml:channel name="X" type="integer" min="-2.14748E9" max="2.14748E9" units="cm"/>
-          <inkml:channel name="Y" type="integer" min="-2.14748E9" max="2.14748E9" units="cm"/>
-          <inkml:channel name="F" type="integer" max="32767" units="dev"/>
-          <inkml:channel name="OA" type="integer" max="360" units="deg"/>
-          <inkml:channel name="OE" type="integer" max="90" units="deg"/>
-        </inkml:traceFormat>
-        <inkml:channelProperties>
-          <inkml:channelProperty channel="X" name="resolution" value="1000" units="1/cm"/>
-          <inkml:channelProperty channel="Y" name="resolution" value="1000" units="1/cm"/>
-          <inkml:channelProperty channel="F" name="resolution" value="0" units="1/dev"/>
-          <inkml:channelProperty channel="OA" name="resolution" value="1000" units="1/deg"/>
-          <inkml:channelProperty channel="OE" name="resolution" value="1000" units="1/deg"/>
-        </inkml:channelProperties>
-      </inkml:inkSource>
-      <inkml:timestamp xml:id="ts0" timeString="2021-12-10T00:57:11.232"/>
-    </inkml:context>
-    <inkml:brush xml:id="br0">
-      <inkml:brushProperty name="width" value="0.05" units="cm"/>
-      <inkml:brushProperty name="height" value="0.05" units="cm"/>
-    </inkml:brush>
-  </inkml:definitions>
-  <inkml:trace contextRef="#ctx0" brushRef="#br0">140 181 676 0 0,'-8'-9'659'0'0,"0"-1"1"0"0,1 1-1 0 0,0-1 0 0 0,-7-14 1 0 0,-17-24-977 0 0,19 33 19 0 0,-31-33-2119 0 0,33 41 1756 0 0</inkml:trace>
-</inkml:ink>
-</file>
-
-<file path=ppt/ink/ink321.xml><?xml version="1.0" encoding="utf-8"?>
-<inkml:ink xmlns:inkml="http://www.w3.org/2003/InkML">
-  <inkml:definitions>
-    <inkml:context xml:id="ctx0">
-      <inkml:inkSource xml:id="inkSrc0">
-        <inkml:traceFormat>
-          <inkml:channel name="X" type="integer" min="-2.14748E9" max="2.14748E9" units="cm"/>
-          <inkml:channel name="Y" type="integer" min="-2.14748E9" max="2.14748E9" units="cm"/>
-          <inkml:channel name="F" type="integer" max="32767" units="dev"/>
-          <inkml:channel name="OA" type="integer" max="360" units="deg"/>
-          <inkml:channel name="OE" type="integer" max="90" units="deg"/>
-        </inkml:traceFormat>
-        <inkml:channelProperties>
-          <inkml:channelProperty channel="X" name="resolution" value="1000" units="1/cm"/>
-          <inkml:channelProperty channel="Y" name="resolution" value="1000" units="1/cm"/>
-          <inkml:channelProperty channel="F" name="resolution" value="0" units="1/dev"/>
-          <inkml:channelProperty channel="OA" name="resolution" value="1000" units="1/deg"/>
-          <inkml:channelProperty channel="OE" name="resolution" value="1000" units="1/deg"/>
-        </inkml:channelProperties>
-      </inkml:inkSource>
-      <inkml:timestamp xml:id="ts0" timeString="2021-12-10T00:57:11.588"/>
-    </inkml:context>
-    <inkml:brush xml:id="br0">
-      <inkml:brushProperty name="width" value="0.05" units="cm"/>
-      <inkml:brushProperty name="height" value="0.05" units="cm"/>
-    </inkml:brush>
-  </inkml:definitions>
-  <inkml:trace contextRef="#ctx0" brushRef="#br0">445 533 488 0 0,'-13'-20'986'0'0,"-1"0"0"0"0,0 1 1 0 0,-23-23-1 0 0,19 22-1334 0 0,1 0 0 0 0,-21-32 1 0 0,19 25-2147 0 0,14 20 1646 0 0</inkml:trace>
-  <inkml:trace contextRef="#ctx0" brushRef="#br0" timeOffset="1">105 173 804 0 0,'-6'-10'4192'0'0,"-4"-7"-3139"0"0,-8-14-916 0 0,15 26-300 0 0,0 0 1 0 0,0 1-1 0 0,0-1 0 0 0,0 0 1 0 0,1 0-1 0 0,-3-9 1 0 0,3 8-161 0 0,0 0 0 0 0,-1 1 1 0 0,0-1-1 0 0,0 1 0 0 0,-1 0 0 0 0,1 0 0 0 0,-1 0 1 0 0,-6-6-1 0 0,1 1-460 0 0,3 2 7 0 0</inkml:trace>
-</inkml:ink>
-</file>
-
-<file path=ppt/ink/ink322.xml><?xml version="1.0" encoding="utf-8"?>
-<inkml:ink xmlns:inkml="http://www.w3.org/2003/InkML">
-  <inkml:definitions>
-    <inkml:context xml:id="ctx0">
-      <inkml:inkSource xml:id="inkSrc0">
-        <inkml:traceFormat>
-          <inkml:channel name="X" type="integer" min="-2.14748E9" max="2.14748E9" units="cm"/>
-          <inkml:channel name="Y" type="integer" min="-2.14748E9" max="2.14748E9" units="cm"/>
-          <inkml:channel name="F" type="integer" max="32767" units="dev"/>
-          <inkml:channel name="OA" type="integer" max="360" units="deg"/>
-          <inkml:channel name="OE" type="integer" max="90" units="deg"/>
-        </inkml:traceFormat>
-        <inkml:channelProperties>
-          <inkml:channelProperty channel="X" name="resolution" value="1000" units="1/cm"/>
-          <inkml:channelProperty channel="Y" name="resolution" value="1000" units="1/cm"/>
-          <inkml:channelProperty channel="F" name="resolution" value="0" units="1/dev"/>
-          <inkml:channelProperty channel="OA" name="resolution" value="1000" units="1/deg"/>
-          <inkml:channelProperty channel="OE" name="resolution" value="1000" units="1/deg"/>
-        </inkml:channelProperties>
-      </inkml:inkSource>
-      <inkml:timestamp xml:id="ts0" timeString="2021-12-10T00:57:11.944"/>
-    </inkml:context>
-    <inkml:brush xml:id="br0">
-      <inkml:brushProperty name="width" value="0.05" units="cm"/>
-      <inkml:brushProperty name="height" value="0.05" units="cm"/>
-    </inkml:brush>
-  </inkml:definitions>
-  <inkml:trace contextRef="#ctx0" brushRef="#br0">410 405 372 0 0,'-21'-21'1044'0'0,"2"-1"1"0"0,-27-39-1 0 0,-3-4-1929 0 0,19 34-470 0 0,15 17 578 0 0</inkml:trace>
-  <inkml:trace contextRef="#ctx0" brushRef="#br0" timeOffset="1">45 86 676 0 0,'0'0'1404'0'0,"0"-3"-980"0"0,-5 1-168 0 0,5 0-100 0 0,-5-3-64 0 0,5-1-60 0 0,-5 1-56 0 0,0-2-52 0 0,5-2-72 0 0,-5 3-76 0 0,0-3-100 0 0,0 0-72 0 0,0 0-84 0 0,0 2-84 0 0,5 0-20 0 0</inkml:trace>
-</inkml:ink>
-</file>
-
-<file path=ppt/ink/ink323.xml><?xml version="1.0" encoding="utf-8"?>
-<inkml:ink xmlns:inkml="http://www.w3.org/2003/InkML">
-  <inkml:definitions>
-    <inkml:context xml:id="ctx0">
-      <inkml:inkSource xml:id="inkSrc0">
-        <inkml:traceFormat>
-          <inkml:channel name="X" type="integer" min="-2.14748E9" max="2.14748E9" units="cm"/>
-          <inkml:channel name="Y" type="integer" min="-2.14748E9" max="2.14748E9" units="cm"/>
-          <inkml:channel name="F" type="integer" max="32767" units="dev"/>
-          <inkml:channel name="OA" type="integer" max="360" units="deg"/>
-          <inkml:channel name="OE" type="integer" max="90" units="deg"/>
-        </inkml:traceFormat>
-        <inkml:channelProperties>
-          <inkml:channelProperty channel="X" name="resolution" value="1000" units="1/cm"/>
-          <inkml:channelProperty channel="Y" name="resolution" value="1000" units="1/cm"/>
-          <inkml:channelProperty channel="F" name="resolution" value="0" units="1/dev"/>
-          <inkml:channelProperty channel="OA" name="resolution" value="1000" units="1/deg"/>
-          <inkml:channelProperty channel="OE" name="resolution" value="1000" units="1/deg"/>
-        </inkml:channelProperties>
-      </inkml:inkSource>
-      <inkml:timestamp xml:id="ts0" timeString="2021-12-10T00:57:12.271"/>
-    </inkml:context>
-    <inkml:brush xml:id="br0">
-      <inkml:brushProperty name="width" value="0.05" units="cm"/>
-      <inkml:brushProperty name="height" value="0.05" units="cm"/>
-    </inkml:brush>
-  </inkml:definitions>
-  <inkml:trace contextRef="#ctx0" brushRef="#br0">135 277 440 0 0,'-39'-72'3283'0'0,"8"17"-2642"0"0,19 37-748 0 0,2-1 1 0 0,0 1-1 0 0,1-1 0 0 0,-9-29 0 0 0,13 23-2187 0 0,4 22 1394 0 0</inkml:trace>
-</inkml:ink>
-</file>
-
-<file path=ppt/ink/ink324.xml><?xml version="1.0" encoding="utf-8"?>
-<inkml:ink xmlns:inkml="http://www.w3.org/2003/InkML">
-  <inkml:definitions>
-    <inkml:context xml:id="ctx0">
-      <inkml:inkSource xml:id="inkSrc0">
-        <inkml:traceFormat>
-          <inkml:channel name="X" type="integer" min="-2.14748E9" max="2.14748E9" units="cm"/>
-          <inkml:channel name="Y" type="integer" min="-2.14748E9" max="2.14748E9" units="cm"/>
-          <inkml:channel name="F" type="integer" max="32767" units="dev"/>
-          <inkml:channel name="OA" type="integer" max="360" units="deg"/>
-          <inkml:channel name="OE" type="integer" max="90" units="deg"/>
-        </inkml:traceFormat>
-        <inkml:channelProperties>
-          <inkml:channelProperty channel="X" name="resolution" value="1000" units="1/cm"/>
-          <inkml:channelProperty channel="Y" name="resolution" value="1000" units="1/cm"/>
-          <inkml:channelProperty channel="F" name="resolution" value="0" units="1/dev"/>
-          <inkml:channelProperty channel="OA" name="resolution" value="1000" units="1/deg"/>
-          <inkml:channelProperty channel="OE" name="resolution" value="1000" units="1/deg"/>
-        </inkml:channelProperties>
-      </inkml:inkSource>
-      <inkml:timestamp xml:id="ts0" timeString="2021-12-10T00:57:12.892"/>
-    </inkml:context>
-    <inkml:brush xml:id="br0">
-      <inkml:brushProperty name="width" value="0.05" units="cm"/>
-      <inkml:brushProperty name="height" value="0.05" units="cm"/>
-    </inkml:brush>
-  </inkml:definitions>
-  <inkml:trace contextRef="#ctx0" brushRef="#br0">75 466 324 0 0,'-7'-11'6191'0'0,"-26"-64"-4947"0"0,21 22-1200 0 0,3-1-1 0 0,2 0 0 0 0,0-85 1 0 0,17 61 1096 0 0,-3 77-941 0 0,-1 1-1 0 0,1 0 0 0 0,0 0 0 0 0,-1 0 1 0 0,11 2-1 0 0,17 5-266 0 0,0 1 1 0 0,0 1-1 0 0,-1 2 1 0 0,-1 1-1 0 0,0 2 1 0 0,47 28-1 0 0,-28-11 7 0 0,-51-31 58 0 0,1 0 0 0 0,-1 1 0 0 0,0-1 0 0 0,0 0 0 0 0,0 0 0 0 0,1 0 0 0 0,-1 0 1 0 0,0 0-1 0 0,0 1 0 0 0,0-1 0 0 0,0 0 0 0 0,1 0 0 0 0,-1 0 0 0 0,0 0 0 0 0,0 1 0 0 0,0-1 0 0 0,0 0 0 0 0,0 0 0 0 0,0 1 1 0 0,0-1-1 0 0,1 0 0 0 0,-1 0 0 0 0,0 0 0 0 0,0 1 0 0 0,0-1 0 0 0,0 0 0 0 0,0 0 0 0 0,0 1 0 0 0,0-1 0 0 0,0 0 0 0 0,0 0 1 0 0,0 1-1 0 0,-1-1 0 0 0,1 0 0 0 0,0 0 0 0 0,0 0 0 0 0,0 1 0 0 0,0-1 0 0 0,0 0 0 0 0,0 0 0 0 0,-1 1 0 0 0,-10 12-13 0 0,-24 13 76 0 0,29-22-66 0 0,-41 32-208 0 0,-71 68 0 0 0,18 4-6626 0 0,86-92 5496 0 0</inkml:trace>
 </inkml:ink>
 </file>
 
@@ -10562,7 +10280,7 @@
           <a:p>
             <a:fld id="{2933F5F8-3648-4A68-8865-878F7DE2DE70}" type="datetimeFigureOut">
               <a:rPr lang="en-US" smtClean="0"/>
-              <a:t>12/9/2021</a:t>
+              <a:t>12/6/2022</a:t>
             </a:fld>
             <a:endParaRPr lang="en-US"/>
           </a:p>
@@ -10760,7 +10478,7 @@
           <a:p>
             <a:fld id="{2933F5F8-3648-4A68-8865-878F7DE2DE70}" type="datetimeFigureOut">
               <a:rPr lang="en-US" smtClean="0"/>
-              <a:t>12/9/2021</a:t>
+              <a:t>12/6/2022</a:t>
             </a:fld>
             <a:endParaRPr lang="en-US"/>
           </a:p>
@@ -10968,7 +10686,7 @@
           <a:p>
             <a:fld id="{2933F5F8-3648-4A68-8865-878F7DE2DE70}" type="datetimeFigureOut">
               <a:rPr lang="en-US" smtClean="0"/>
-              <a:t>12/9/2021</a:t>
+              <a:t>12/6/2022</a:t>
             </a:fld>
             <a:endParaRPr lang="en-US"/>
           </a:p>
@@ -11166,7 +10884,7 @@
           <a:p>
             <a:fld id="{2933F5F8-3648-4A68-8865-878F7DE2DE70}" type="datetimeFigureOut">
               <a:rPr lang="en-US" smtClean="0"/>
-              <a:t>12/9/2021</a:t>
+              <a:t>12/6/2022</a:t>
             </a:fld>
             <a:endParaRPr lang="en-US"/>
           </a:p>
@@ -11441,7 +11159,7 @@
           <a:p>
             <a:fld id="{2933F5F8-3648-4A68-8865-878F7DE2DE70}" type="datetimeFigureOut">
               <a:rPr lang="en-US" smtClean="0"/>
-              <a:t>12/9/2021</a:t>
+              <a:t>12/6/2022</a:t>
             </a:fld>
             <a:endParaRPr lang="en-US"/>
           </a:p>
@@ -11706,7 +11424,7 @@
           <a:p>
             <a:fld id="{2933F5F8-3648-4A68-8865-878F7DE2DE70}" type="datetimeFigureOut">
               <a:rPr lang="en-US" smtClean="0"/>
-              <a:t>12/9/2021</a:t>
+              <a:t>12/6/2022</a:t>
             </a:fld>
             <a:endParaRPr lang="en-US"/>
           </a:p>
@@ -12118,7 +11836,7 @@
           <a:p>
             <a:fld id="{2933F5F8-3648-4A68-8865-878F7DE2DE70}" type="datetimeFigureOut">
               <a:rPr lang="en-US" smtClean="0"/>
-              <a:t>12/9/2021</a:t>
+              <a:t>12/6/2022</a:t>
             </a:fld>
             <a:endParaRPr lang="en-US"/>
           </a:p>
@@ -12259,7 +11977,7 @@
           <a:p>
             <a:fld id="{2933F5F8-3648-4A68-8865-878F7DE2DE70}" type="datetimeFigureOut">
               <a:rPr lang="en-US" smtClean="0"/>
-              <a:t>12/9/2021</a:t>
+              <a:t>12/6/2022</a:t>
             </a:fld>
             <a:endParaRPr lang="en-US"/>
           </a:p>
@@ -12372,7 +12090,7 @@
           <a:p>
             <a:fld id="{2933F5F8-3648-4A68-8865-878F7DE2DE70}" type="datetimeFigureOut">
               <a:rPr lang="en-US" smtClean="0"/>
-              <a:t>12/9/2021</a:t>
+              <a:t>12/6/2022</a:t>
             </a:fld>
             <a:endParaRPr lang="en-US"/>
           </a:p>
@@ -12683,7 +12401,7 @@
           <a:p>
             <a:fld id="{2933F5F8-3648-4A68-8865-878F7DE2DE70}" type="datetimeFigureOut">
               <a:rPr lang="en-US" smtClean="0"/>
-              <a:t>12/9/2021</a:t>
+              <a:t>12/6/2022</a:t>
             </a:fld>
             <a:endParaRPr lang="en-US"/>
           </a:p>
@@ -12971,7 +12689,7 @@
           <a:p>
             <a:fld id="{2933F5F8-3648-4A68-8865-878F7DE2DE70}" type="datetimeFigureOut">
               <a:rPr lang="en-US" smtClean="0"/>
-              <a:t>12/9/2021</a:t>
+              <a:t>12/6/2022</a:t>
             </a:fld>
             <a:endParaRPr lang="en-US"/>
           </a:p>
@@ -13212,7 +12930,7 @@
           <a:p>
             <a:fld id="{2933F5F8-3648-4A68-8865-878F7DE2DE70}" type="datetimeFigureOut">
               <a:rPr lang="en-US" smtClean="0"/>
-              <a:t>12/9/2021</a:t>
+              <a:t>12/6/2022</a:t>
             </a:fld>
             <a:endParaRPr lang="en-US"/>
           </a:p>
@@ -29290,8 +29008,8 @@
             <a:chExt cx="3337560" cy="753120"/>
           </a:xfrm>
         </p:grpSpPr>
-        <mc:AlternateContent xmlns:mc="http://schemas.openxmlformats.org/markup-compatibility/2006">
-          <mc:Choice xmlns:p14="http://schemas.microsoft.com/office/powerpoint/2010/main" Requires="p14">
+        <mc:AlternateContent xmlns:mc="http://schemas.openxmlformats.org/markup-compatibility/2006" xmlns:p14="http://schemas.microsoft.com/office/powerpoint/2010/main">
+          <mc:Choice Requires="p14">
             <p:contentPart p14:bwMode="auto" r:id="rId276">
               <p14:nvContentPartPr>
                 <p14:cNvPr id="2" name="Ink 1">
@@ -29310,7 +29028,7 @@
               </p14:xfrm>
             </p:contentPart>
           </mc:Choice>
-          <mc:Fallback>
+          <mc:Fallback xmlns="">
             <p:pic>
               <p:nvPicPr>
                 <p:cNvPr id="2" name="Ink 1">
@@ -29341,8 +29059,8 @@
             </p:pic>
           </mc:Fallback>
         </mc:AlternateContent>
-        <mc:AlternateContent xmlns:mc="http://schemas.openxmlformats.org/markup-compatibility/2006">
-          <mc:Choice xmlns:p14="http://schemas.microsoft.com/office/powerpoint/2010/main" Requires="p14">
+        <mc:AlternateContent xmlns:mc="http://schemas.openxmlformats.org/markup-compatibility/2006" xmlns:p14="http://schemas.microsoft.com/office/powerpoint/2010/main">
+          <mc:Choice Requires="p14">
             <p:contentPart p14:bwMode="auto" r:id="rId278">
               <p14:nvContentPartPr>
                 <p14:cNvPr id="64" name="Ink 63">
@@ -29361,7 +29079,7 @@
               </p14:xfrm>
             </p:contentPart>
           </mc:Choice>
-          <mc:Fallback>
+          <mc:Fallback xmlns="">
             <p:pic>
               <p:nvPicPr>
                 <p:cNvPr id="64" name="Ink 63">
@@ -29392,8 +29110,8 @@
             </p:pic>
           </mc:Fallback>
         </mc:AlternateContent>
-        <mc:AlternateContent xmlns:mc="http://schemas.openxmlformats.org/markup-compatibility/2006">
-          <mc:Choice xmlns:p14="http://schemas.microsoft.com/office/powerpoint/2010/main" Requires="p14">
+        <mc:AlternateContent xmlns:mc="http://schemas.openxmlformats.org/markup-compatibility/2006" xmlns:p14="http://schemas.microsoft.com/office/powerpoint/2010/main">
+          <mc:Choice Requires="p14">
             <p:contentPart p14:bwMode="auto" r:id="rId280">
               <p14:nvContentPartPr>
                 <p14:cNvPr id="65" name="Ink 64">
@@ -29412,7 +29130,7 @@
               </p14:xfrm>
             </p:contentPart>
           </mc:Choice>
-          <mc:Fallback>
+          <mc:Fallback xmlns="">
             <p:pic>
               <p:nvPicPr>
                 <p:cNvPr id="65" name="Ink 64">
@@ -29443,8 +29161,8 @@
             </p:pic>
           </mc:Fallback>
         </mc:AlternateContent>
-        <mc:AlternateContent xmlns:mc="http://schemas.openxmlformats.org/markup-compatibility/2006">
-          <mc:Choice xmlns:p14="http://schemas.microsoft.com/office/powerpoint/2010/main" Requires="p14">
+        <mc:AlternateContent xmlns:mc="http://schemas.openxmlformats.org/markup-compatibility/2006" xmlns:p14="http://schemas.microsoft.com/office/powerpoint/2010/main">
+          <mc:Choice Requires="p14">
             <p:contentPart p14:bwMode="auto" r:id="rId282">
               <p14:nvContentPartPr>
                 <p14:cNvPr id="66" name="Ink 65">
@@ -29463,7 +29181,7 @@
               </p14:xfrm>
             </p:contentPart>
           </mc:Choice>
-          <mc:Fallback>
+          <mc:Fallback xmlns="">
             <p:pic>
               <p:nvPicPr>
                 <p:cNvPr id="66" name="Ink 65">
@@ -29494,8 +29212,8 @@
             </p:pic>
           </mc:Fallback>
         </mc:AlternateContent>
-        <mc:AlternateContent xmlns:mc="http://schemas.openxmlformats.org/markup-compatibility/2006">
-          <mc:Choice xmlns:p14="http://schemas.microsoft.com/office/powerpoint/2010/main" Requires="p14">
+        <mc:AlternateContent xmlns:mc="http://schemas.openxmlformats.org/markup-compatibility/2006" xmlns:p14="http://schemas.microsoft.com/office/powerpoint/2010/main">
+          <mc:Choice Requires="p14">
             <p:contentPart p14:bwMode="auto" r:id="rId284">
               <p14:nvContentPartPr>
                 <p14:cNvPr id="67" name="Ink 66">
@@ -29514,7 +29232,7 @@
               </p14:xfrm>
             </p:contentPart>
           </mc:Choice>
-          <mc:Fallback>
+          <mc:Fallback xmlns="">
             <p:pic>
               <p:nvPicPr>
                 <p:cNvPr id="67" name="Ink 66">
@@ -29545,8 +29263,8 @@
             </p:pic>
           </mc:Fallback>
         </mc:AlternateContent>
-        <mc:AlternateContent xmlns:mc="http://schemas.openxmlformats.org/markup-compatibility/2006">
-          <mc:Choice xmlns:p14="http://schemas.microsoft.com/office/powerpoint/2010/main" Requires="p14">
+        <mc:AlternateContent xmlns:mc="http://schemas.openxmlformats.org/markup-compatibility/2006" xmlns:p14="http://schemas.microsoft.com/office/powerpoint/2010/main">
+          <mc:Choice Requires="p14">
             <p:contentPart p14:bwMode="auto" r:id="rId286">
               <p14:nvContentPartPr>
                 <p14:cNvPr id="68" name="Ink 67">
@@ -29565,7 +29283,7 @@
               </p14:xfrm>
             </p:contentPart>
           </mc:Choice>
-          <mc:Fallback>
+          <mc:Fallback xmlns="">
             <p:pic>
               <p:nvPicPr>
                 <p:cNvPr id="68" name="Ink 67">
@@ -29596,8 +29314,8 @@
             </p:pic>
           </mc:Fallback>
         </mc:AlternateContent>
-        <mc:AlternateContent xmlns:mc="http://schemas.openxmlformats.org/markup-compatibility/2006">
-          <mc:Choice xmlns:p14="http://schemas.microsoft.com/office/powerpoint/2010/main" Requires="p14">
+        <mc:AlternateContent xmlns:mc="http://schemas.openxmlformats.org/markup-compatibility/2006" xmlns:p14="http://schemas.microsoft.com/office/powerpoint/2010/main">
+          <mc:Choice Requires="p14">
             <p:contentPart p14:bwMode="auto" r:id="rId288">
               <p14:nvContentPartPr>
                 <p14:cNvPr id="69" name="Ink 68">
@@ -29616,7 +29334,7 @@
               </p14:xfrm>
             </p:contentPart>
           </mc:Choice>
-          <mc:Fallback>
+          <mc:Fallback xmlns="">
             <p:pic>
               <p:nvPicPr>
                 <p:cNvPr id="69" name="Ink 68">
@@ -29647,8 +29365,8 @@
             </p:pic>
           </mc:Fallback>
         </mc:AlternateContent>
-        <mc:AlternateContent xmlns:mc="http://schemas.openxmlformats.org/markup-compatibility/2006">
-          <mc:Choice xmlns:p14="http://schemas.microsoft.com/office/powerpoint/2010/main" Requires="p14">
+        <mc:AlternateContent xmlns:mc="http://schemas.openxmlformats.org/markup-compatibility/2006" xmlns:p14="http://schemas.microsoft.com/office/powerpoint/2010/main">
+          <mc:Choice Requires="p14">
             <p:contentPart p14:bwMode="auto" r:id="rId290">
               <p14:nvContentPartPr>
                 <p14:cNvPr id="70" name="Ink 69">
@@ -29667,7 +29385,7 @@
               </p14:xfrm>
             </p:contentPart>
           </mc:Choice>
-          <mc:Fallback>
+          <mc:Fallback xmlns="">
             <p:pic>
               <p:nvPicPr>
                 <p:cNvPr id="70" name="Ink 69">
@@ -29698,8 +29416,8 @@
             </p:pic>
           </mc:Fallback>
         </mc:AlternateContent>
-        <mc:AlternateContent xmlns:mc="http://schemas.openxmlformats.org/markup-compatibility/2006">
-          <mc:Choice xmlns:p14="http://schemas.microsoft.com/office/powerpoint/2010/main" Requires="p14">
+        <mc:AlternateContent xmlns:mc="http://schemas.openxmlformats.org/markup-compatibility/2006" xmlns:p14="http://schemas.microsoft.com/office/powerpoint/2010/main">
+          <mc:Choice Requires="p14">
             <p:contentPart p14:bwMode="auto" r:id="rId292">
               <p14:nvContentPartPr>
                 <p14:cNvPr id="83" name="Ink 82">
@@ -29718,7 +29436,7 @@
               </p14:xfrm>
             </p:contentPart>
           </mc:Choice>
-          <mc:Fallback>
+          <mc:Fallback xmlns="">
             <p:pic>
               <p:nvPicPr>
                 <p:cNvPr id="83" name="Ink 82">
@@ -29749,8 +29467,8 @@
             </p:pic>
           </mc:Fallback>
         </mc:AlternateContent>
-        <mc:AlternateContent xmlns:mc="http://schemas.openxmlformats.org/markup-compatibility/2006">
-          <mc:Choice xmlns:p14="http://schemas.microsoft.com/office/powerpoint/2010/main" Requires="p14">
+        <mc:AlternateContent xmlns:mc="http://schemas.openxmlformats.org/markup-compatibility/2006" xmlns:p14="http://schemas.microsoft.com/office/powerpoint/2010/main">
+          <mc:Choice Requires="p14">
             <p:contentPart p14:bwMode="auto" r:id="rId294">
               <p14:nvContentPartPr>
                 <p14:cNvPr id="84" name="Ink 83">
@@ -29769,7 +29487,7 @@
               </p14:xfrm>
             </p:contentPart>
           </mc:Choice>
-          <mc:Fallback>
+          <mc:Fallback xmlns="">
             <p:pic>
               <p:nvPicPr>
                 <p:cNvPr id="84" name="Ink 83">
@@ -29800,8 +29518,8 @@
             </p:pic>
           </mc:Fallback>
         </mc:AlternateContent>
-        <mc:AlternateContent xmlns:mc="http://schemas.openxmlformats.org/markup-compatibility/2006">
-          <mc:Choice xmlns:p14="http://schemas.microsoft.com/office/powerpoint/2010/main" Requires="p14">
+        <mc:AlternateContent xmlns:mc="http://schemas.openxmlformats.org/markup-compatibility/2006" xmlns:p14="http://schemas.microsoft.com/office/powerpoint/2010/main">
+          <mc:Choice Requires="p14">
             <p:contentPart p14:bwMode="auto" r:id="rId296">
               <p14:nvContentPartPr>
                 <p14:cNvPr id="85" name="Ink 84">
@@ -29820,7 +29538,7 @@
               </p14:xfrm>
             </p:contentPart>
           </mc:Choice>
-          <mc:Fallback>
+          <mc:Fallback xmlns="">
             <p:pic>
               <p:nvPicPr>
                 <p:cNvPr id="85" name="Ink 84">
@@ -29851,8 +29569,8 @@
             </p:pic>
           </mc:Fallback>
         </mc:AlternateContent>
-        <mc:AlternateContent xmlns:mc="http://schemas.openxmlformats.org/markup-compatibility/2006">
-          <mc:Choice xmlns:p14="http://schemas.microsoft.com/office/powerpoint/2010/main" Requires="p14">
+        <mc:AlternateContent xmlns:mc="http://schemas.openxmlformats.org/markup-compatibility/2006" xmlns:p14="http://schemas.microsoft.com/office/powerpoint/2010/main">
+          <mc:Choice Requires="p14">
             <p:contentPart p14:bwMode="auto" r:id="rId298">
               <p14:nvContentPartPr>
                 <p14:cNvPr id="86" name="Ink 85">
@@ -29871,7 +29589,7 @@
               </p14:xfrm>
             </p:contentPart>
           </mc:Choice>
-          <mc:Fallback>
+          <mc:Fallback xmlns="">
             <p:pic>
               <p:nvPicPr>
                 <p:cNvPr id="86" name="Ink 85">
@@ -29902,8 +29620,8 @@
             </p:pic>
           </mc:Fallback>
         </mc:AlternateContent>
-        <mc:AlternateContent xmlns:mc="http://schemas.openxmlformats.org/markup-compatibility/2006">
-          <mc:Choice xmlns:p14="http://schemas.microsoft.com/office/powerpoint/2010/main" Requires="p14">
+        <mc:AlternateContent xmlns:mc="http://schemas.openxmlformats.org/markup-compatibility/2006" xmlns:p14="http://schemas.microsoft.com/office/powerpoint/2010/main">
+          <mc:Choice Requires="p14">
             <p:contentPart p14:bwMode="auto" r:id="rId300">
               <p14:nvContentPartPr>
                 <p14:cNvPr id="87" name="Ink 86">
@@ -29922,7 +29640,7 @@
               </p14:xfrm>
             </p:contentPart>
           </mc:Choice>
-          <mc:Fallback>
+          <mc:Fallback xmlns="">
             <p:pic>
               <p:nvPicPr>
                 <p:cNvPr id="87" name="Ink 86">
@@ -29953,8 +29671,8 @@
             </p:pic>
           </mc:Fallback>
         </mc:AlternateContent>
-        <mc:AlternateContent xmlns:mc="http://schemas.openxmlformats.org/markup-compatibility/2006">
-          <mc:Choice xmlns:p14="http://schemas.microsoft.com/office/powerpoint/2010/main" Requires="p14">
+        <mc:AlternateContent xmlns:mc="http://schemas.openxmlformats.org/markup-compatibility/2006" xmlns:p14="http://schemas.microsoft.com/office/powerpoint/2010/main">
+          <mc:Choice Requires="p14">
             <p:contentPart p14:bwMode="auto" r:id="rId302">
               <p14:nvContentPartPr>
                 <p14:cNvPr id="88" name="Ink 87">
@@ -29973,7 +29691,7 @@
               </p14:xfrm>
             </p:contentPart>
           </mc:Choice>
-          <mc:Fallback>
+          <mc:Fallback xmlns="">
             <p:pic>
               <p:nvPicPr>
                 <p:cNvPr id="88" name="Ink 87">
@@ -30004,8 +29722,8 @@
             </p:pic>
           </mc:Fallback>
         </mc:AlternateContent>
-        <mc:AlternateContent xmlns:mc="http://schemas.openxmlformats.org/markup-compatibility/2006">
-          <mc:Choice xmlns:p14="http://schemas.microsoft.com/office/powerpoint/2010/main" Requires="p14">
+        <mc:AlternateContent xmlns:mc="http://schemas.openxmlformats.org/markup-compatibility/2006" xmlns:p14="http://schemas.microsoft.com/office/powerpoint/2010/main">
+          <mc:Choice Requires="p14">
             <p:contentPart p14:bwMode="auto" r:id="rId304">
               <p14:nvContentPartPr>
                 <p14:cNvPr id="89" name="Ink 88">
@@ -30024,7 +29742,7 @@
               </p14:xfrm>
             </p:contentPart>
           </mc:Choice>
-          <mc:Fallback>
+          <mc:Fallback xmlns="">
             <p:pic>
               <p:nvPicPr>
                 <p:cNvPr id="89" name="Ink 88">
@@ -30055,8 +29773,8 @@
             </p:pic>
           </mc:Fallback>
         </mc:AlternateContent>
-        <mc:AlternateContent xmlns:mc="http://schemas.openxmlformats.org/markup-compatibility/2006">
-          <mc:Choice xmlns:p14="http://schemas.microsoft.com/office/powerpoint/2010/main" Requires="p14">
+        <mc:AlternateContent xmlns:mc="http://schemas.openxmlformats.org/markup-compatibility/2006" xmlns:p14="http://schemas.microsoft.com/office/powerpoint/2010/main">
+          <mc:Choice Requires="p14">
             <p:contentPart p14:bwMode="auto" r:id="rId306">
               <p14:nvContentPartPr>
                 <p14:cNvPr id="91" name="Ink 90">
@@ -30075,7 +29793,7 @@
               </p14:xfrm>
             </p:contentPart>
           </mc:Choice>
-          <mc:Fallback>
+          <mc:Fallback xmlns="">
             <p:pic>
               <p:nvPicPr>
                 <p:cNvPr id="91" name="Ink 90">
@@ -30106,8 +29824,8 @@
             </p:pic>
           </mc:Fallback>
         </mc:AlternateContent>
-        <mc:AlternateContent xmlns:mc="http://schemas.openxmlformats.org/markup-compatibility/2006">
-          <mc:Choice xmlns:p14="http://schemas.microsoft.com/office/powerpoint/2010/main" Requires="p14">
+        <mc:AlternateContent xmlns:mc="http://schemas.openxmlformats.org/markup-compatibility/2006" xmlns:p14="http://schemas.microsoft.com/office/powerpoint/2010/main">
+          <mc:Choice Requires="p14">
             <p:contentPart p14:bwMode="auto" r:id="rId308">
               <p14:nvContentPartPr>
                 <p14:cNvPr id="96" name="Ink 95">
@@ -30126,7 +29844,7 @@
               </p14:xfrm>
             </p:contentPart>
           </mc:Choice>
-          <mc:Fallback>
+          <mc:Fallback xmlns="">
             <p:pic>
               <p:nvPicPr>
                 <p:cNvPr id="96" name="Ink 95">
@@ -30157,8 +29875,8 @@
             </p:pic>
           </mc:Fallback>
         </mc:AlternateContent>
-        <mc:AlternateContent xmlns:mc="http://schemas.openxmlformats.org/markup-compatibility/2006">
-          <mc:Choice xmlns:p14="http://schemas.microsoft.com/office/powerpoint/2010/main" Requires="p14">
+        <mc:AlternateContent xmlns:mc="http://schemas.openxmlformats.org/markup-compatibility/2006" xmlns:p14="http://schemas.microsoft.com/office/powerpoint/2010/main">
+          <mc:Choice Requires="p14">
             <p:contentPart p14:bwMode="auto" r:id="rId310">
               <p14:nvContentPartPr>
                 <p14:cNvPr id="97" name="Ink 96">
@@ -30177,7 +29895,7 @@
               </p14:xfrm>
             </p:contentPart>
           </mc:Choice>
-          <mc:Fallback>
+          <mc:Fallback xmlns="">
             <p:pic>
               <p:nvPicPr>
                 <p:cNvPr id="97" name="Ink 96">
@@ -30208,8 +29926,8 @@
             </p:pic>
           </mc:Fallback>
         </mc:AlternateContent>
-        <mc:AlternateContent xmlns:mc="http://schemas.openxmlformats.org/markup-compatibility/2006">
-          <mc:Choice xmlns:p14="http://schemas.microsoft.com/office/powerpoint/2010/main" Requires="p14">
+        <mc:AlternateContent xmlns:mc="http://schemas.openxmlformats.org/markup-compatibility/2006" xmlns:p14="http://schemas.microsoft.com/office/powerpoint/2010/main">
+          <mc:Choice Requires="p14">
             <p:contentPart p14:bwMode="auto" r:id="rId312">
               <p14:nvContentPartPr>
                 <p14:cNvPr id="126" name="Ink 125">
@@ -30228,7 +29946,7 @@
               </p14:xfrm>
             </p:contentPart>
           </mc:Choice>
-          <mc:Fallback>
+          <mc:Fallback xmlns="">
             <p:pic>
               <p:nvPicPr>
                 <p:cNvPr id="126" name="Ink 125">
@@ -30259,8 +29977,8 @@
             </p:pic>
           </mc:Fallback>
         </mc:AlternateContent>
-        <mc:AlternateContent xmlns:mc="http://schemas.openxmlformats.org/markup-compatibility/2006">
-          <mc:Choice xmlns:p14="http://schemas.microsoft.com/office/powerpoint/2010/main" Requires="p14">
+        <mc:AlternateContent xmlns:mc="http://schemas.openxmlformats.org/markup-compatibility/2006" xmlns:p14="http://schemas.microsoft.com/office/powerpoint/2010/main">
+          <mc:Choice Requires="p14">
             <p:contentPart p14:bwMode="auto" r:id="rId314">
               <p14:nvContentPartPr>
                 <p14:cNvPr id="175" name="Ink 174">
@@ -30279,7 +29997,7 @@
               </p14:xfrm>
             </p:contentPart>
           </mc:Choice>
-          <mc:Fallback>
+          <mc:Fallback xmlns="">
             <p:pic>
               <p:nvPicPr>
                 <p:cNvPr id="175" name="Ink 174">
@@ -30310,8 +30028,8 @@
             </p:pic>
           </mc:Fallback>
         </mc:AlternateContent>
-        <mc:AlternateContent xmlns:mc="http://schemas.openxmlformats.org/markup-compatibility/2006">
-          <mc:Choice xmlns:p14="http://schemas.microsoft.com/office/powerpoint/2010/main" Requires="p14">
+        <mc:AlternateContent xmlns:mc="http://schemas.openxmlformats.org/markup-compatibility/2006" xmlns:p14="http://schemas.microsoft.com/office/powerpoint/2010/main">
+          <mc:Choice Requires="p14">
             <p:contentPart p14:bwMode="auto" r:id="rId316">
               <p14:nvContentPartPr>
                 <p14:cNvPr id="182" name="Ink 181">
@@ -30330,7 +30048,7 @@
               </p14:xfrm>
             </p:contentPart>
           </mc:Choice>
-          <mc:Fallback>
+          <mc:Fallback xmlns="">
             <p:pic>
               <p:nvPicPr>
                 <p:cNvPr id="182" name="Ink 181">
@@ -30361,8 +30079,8 @@
             </p:pic>
           </mc:Fallback>
         </mc:AlternateContent>
-        <mc:AlternateContent xmlns:mc="http://schemas.openxmlformats.org/markup-compatibility/2006">
-          <mc:Choice xmlns:p14="http://schemas.microsoft.com/office/powerpoint/2010/main" Requires="p14">
+        <mc:AlternateContent xmlns:mc="http://schemas.openxmlformats.org/markup-compatibility/2006" xmlns:p14="http://schemas.microsoft.com/office/powerpoint/2010/main">
+          <mc:Choice Requires="p14">
             <p:contentPart p14:bwMode="auto" r:id="rId318">
               <p14:nvContentPartPr>
                 <p14:cNvPr id="183" name="Ink 182">
@@ -30381,7 +30099,7 @@
               </p14:xfrm>
             </p:contentPart>
           </mc:Choice>
-          <mc:Fallback>
+          <mc:Fallback xmlns="">
             <p:pic>
               <p:nvPicPr>
                 <p:cNvPr id="183" name="Ink 182">
@@ -30412,8 +30130,8 @@
             </p:pic>
           </mc:Fallback>
         </mc:AlternateContent>
-        <mc:AlternateContent xmlns:mc="http://schemas.openxmlformats.org/markup-compatibility/2006">
-          <mc:Choice xmlns:p14="http://schemas.microsoft.com/office/powerpoint/2010/main" Requires="p14">
+        <mc:AlternateContent xmlns:mc="http://schemas.openxmlformats.org/markup-compatibility/2006" xmlns:p14="http://schemas.microsoft.com/office/powerpoint/2010/main">
+          <mc:Choice Requires="p14">
             <p:contentPart p14:bwMode="auto" r:id="rId320">
               <p14:nvContentPartPr>
                 <p14:cNvPr id="184" name="Ink 183">
@@ -30432,7 +30150,7 @@
               </p14:xfrm>
             </p:contentPart>
           </mc:Choice>
-          <mc:Fallback>
+          <mc:Fallback xmlns="">
             <p:pic>
               <p:nvPicPr>
                 <p:cNvPr id="184" name="Ink 183">
@@ -30463,8 +30181,8 @@
             </p:pic>
           </mc:Fallback>
         </mc:AlternateContent>
-        <mc:AlternateContent xmlns:mc="http://schemas.openxmlformats.org/markup-compatibility/2006">
-          <mc:Choice xmlns:p14="http://schemas.microsoft.com/office/powerpoint/2010/main" Requires="p14">
+        <mc:AlternateContent xmlns:mc="http://schemas.openxmlformats.org/markup-compatibility/2006" xmlns:p14="http://schemas.microsoft.com/office/powerpoint/2010/main">
+          <mc:Choice Requires="p14">
             <p:contentPart p14:bwMode="auto" r:id="rId322">
               <p14:nvContentPartPr>
                 <p14:cNvPr id="185" name="Ink 184">
@@ -30483,7 +30201,7 @@
               </p14:xfrm>
             </p:contentPart>
           </mc:Choice>
-          <mc:Fallback>
+          <mc:Fallback xmlns="">
             <p:pic>
               <p:nvPicPr>
                 <p:cNvPr id="185" name="Ink 184">
@@ -30514,8 +30232,8 @@
             </p:pic>
           </mc:Fallback>
         </mc:AlternateContent>
-        <mc:AlternateContent xmlns:mc="http://schemas.openxmlformats.org/markup-compatibility/2006">
-          <mc:Choice xmlns:p14="http://schemas.microsoft.com/office/powerpoint/2010/main" Requires="p14">
+        <mc:AlternateContent xmlns:mc="http://schemas.openxmlformats.org/markup-compatibility/2006" xmlns:p14="http://schemas.microsoft.com/office/powerpoint/2010/main">
+          <mc:Choice Requires="p14">
             <p:contentPart p14:bwMode="auto" r:id="rId324">
               <p14:nvContentPartPr>
                 <p14:cNvPr id="186" name="Ink 185">
@@ -30534,7 +30252,7 @@
               </p14:xfrm>
             </p:contentPart>
           </mc:Choice>
-          <mc:Fallback>
+          <mc:Fallback xmlns="">
             <p:pic>
               <p:nvPicPr>
                 <p:cNvPr id="186" name="Ink 185">
@@ -30565,8 +30283,8 @@
             </p:pic>
           </mc:Fallback>
         </mc:AlternateContent>
-        <mc:AlternateContent xmlns:mc="http://schemas.openxmlformats.org/markup-compatibility/2006">
-          <mc:Choice xmlns:p14="http://schemas.microsoft.com/office/powerpoint/2010/main" Requires="p14">
+        <mc:AlternateContent xmlns:mc="http://schemas.openxmlformats.org/markup-compatibility/2006" xmlns:p14="http://schemas.microsoft.com/office/powerpoint/2010/main">
+          <mc:Choice Requires="p14">
             <p:contentPart p14:bwMode="auto" r:id="rId326">
               <p14:nvContentPartPr>
                 <p14:cNvPr id="187" name="Ink 186">
@@ -30585,7 +30303,7 @@
               </p14:xfrm>
             </p:contentPart>
           </mc:Choice>
-          <mc:Fallback>
+          <mc:Fallback xmlns="">
             <p:pic>
               <p:nvPicPr>
                 <p:cNvPr id="187" name="Ink 186">
@@ -30616,8 +30334,8 @@
             </p:pic>
           </mc:Fallback>
         </mc:AlternateContent>
-        <mc:AlternateContent xmlns:mc="http://schemas.openxmlformats.org/markup-compatibility/2006">
-          <mc:Choice xmlns:p14="http://schemas.microsoft.com/office/powerpoint/2010/main" Requires="p14">
+        <mc:AlternateContent xmlns:mc="http://schemas.openxmlformats.org/markup-compatibility/2006" xmlns:p14="http://schemas.microsoft.com/office/powerpoint/2010/main">
+          <mc:Choice Requires="p14">
             <p:contentPart p14:bwMode="auto" r:id="rId328">
               <p14:nvContentPartPr>
                 <p14:cNvPr id="188" name="Ink 187">
@@ -30636,7 +30354,7 @@
               </p14:xfrm>
             </p:contentPart>
           </mc:Choice>
-          <mc:Fallback>
+          <mc:Fallback xmlns="">
             <p:pic>
               <p:nvPicPr>
                 <p:cNvPr id="188" name="Ink 187">
@@ -30667,8 +30385,8 @@
             </p:pic>
           </mc:Fallback>
         </mc:AlternateContent>
-        <mc:AlternateContent xmlns:mc="http://schemas.openxmlformats.org/markup-compatibility/2006">
-          <mc:Choice xmlns:p14="http://schemas.microsoft.com/office/powerpoint/2010/main" Requires="p14">
+        <mc:AlternateContent xmlns:mc="http://schemas.openxmlformats.org/markup-compatibility/2006" xmlns:p14="http://schemas.microsoft.com/office/powerpoint/2010/main">
+          <mc:Choice Requires="p14">
             <p:contentPart p14:bwMode="auto" r:id="rId330">
               <p14:nvContentPartPr>
                 <p14:cNvPr id="189" name="Ink 188">
@@ -30687,7 +30405,7 @@
               </p14:xfrm>
             </p:contentPart>
           </mc:Choice>
-          <mc:Fallback>
+          <mc:Fallback xmlns="">
             <p:pic>
               <p:nvPicPr>
                 <p:cNvPr id="189" name="Ink 188">
@@ -30718,8 +30436,8 @@
             </p:pic>
           </mc:Fallback>
         </mc:AlternateContent>
-        <mc:AlternateContent xmlns:mc="http://schemas.openxmlformats.org/markup-compatibility/2006">
-          <mc:Choice xmlns:p14="http://schemas.microsoft.com/office/powerpoint/2010/main" Requires="p14">
+        <mc:AlternateContent xmlns:mc="http://schemas.openxmlformats.org/markup-compatibility/2006" xmlns:p14="http://schemas.microsoft.com/office/powerpoint/2010/main">
+          <mc:Choice Requires="p14">
             <p:contentPart p14:bwMode="auto" r:id="rId332">
               <p14:nvContentPartPr>
                 <p14:cNvPr id="190" name="Ink 189">
@@ -30738,7 +30456,7 @@
               </p14:xfrm>
             </p:contentPart>
           </mc:Choice>
-          <mc:Fallback>
+          <mc:Fallback xmlns="">
             <p:pic>
               <p:nvPicPr>
                 <p:cNvPr id="190" name="Ink 189">
@@ -30769,8 +30487,8 @@
             </p:pic>
           </mc:Fallback>
         </mc:AlternateContent>
-        <mc:AlternateContent xmlns:mc="http://schemas.openxmlformats.org/markup-compatibility/2006">
-          <mc:Choice xmlns:p14="http://schemas.microsoft.com/office/powerpoint/2010/main" Requires="p14">
+        <mc:AlternateContent xmlns:mc="http://schemas.openxmlformats.org/markup-compatibility/2006" xmlns:p14="http://schemas.microsoft.com/office/powerpoint/2010/main">
+          <mc:Choice Requires="p14">
             <p:contentPart p14:bwMode="auto" r:id="rId334">
               <p14:nvContentPartPr>
                 <p14:cNvPr id="192" name="Ink 191">
@@ -30789,7 +30507,7 @@
               </p14:xfrm>
             </p:contentPart>
           </mc:Choice>
-          <mc:Fallback>
+          <mc:Fallback xmlns="">
             <p:pic>
               <p:nvPicPr>
                 <p:cNvPr id="192" name="Ink 191">
@@ -30820,8 +30538,8 @@
             </p:pic>
           </mc:Fallback>
         </mc:AlternateContent>
-        <mc:AlternateContent xmlns:mc="http://schemas.openxmlformats.org/markup-compatibility/2006">
-          <mc:Choice xmlns:p14="http://schemas.microsoft.com/office/powerpoint/2010/main" Requires="p14">
+        <mc:AlternateContent xmlns:mc="http://schemas.openxmlformats.org/markup-compatibility/2006" xmlns:p14="http://schemas.microsoft.com/office/powerpoint/2010/main">
+          <mc:Choice Requires="p14">
             <p:contentPart p14:bwMode="auto" r:id="rId336">
               <p14:nvContentPartPr>
                 <p14:cNvPr id="193" name="Ink 192">
@@ -30840,7 +30558,7 @@
               </p14:xfrm>
             </p:contentPart>
           </mc:Choice>
-          <mc:Fallback>
+          <mc:Fallback xmlns="">
             <p:pic>
               <p:nvPicPr>
                 <p:cNvPr id="193" name="Ink 192">
@@ -30871,8 +30589,8 @@
             </p:pic>
           </mc:Fallback>
         </mc:AlternateContent>
-        <mc:AlternateContent xmlns:mc="http://schemas.openxmlformats.org/markup-compatibility/2006">
-          <mc:Choice xmlns:p14="http://schemas.microsoft.com/office/powerpoint/2010/main" Requires="p14">
+        <mc:AlternateContent xmlns:mc="http://schemas.openxmlformats.org/markup-compatibility/2006" xmlns:p14="http://schemas.microsoft.com/office/powerpoint/2010/main">
+          <mc:Choice Requires="p14">
             <p:contentPart p14:bwMode="auto" r:id="rId338">
               <p14:nvContentPartPr>
                 <p14:cNvPr id="194" name="Ink 193">
@@ -30891,7 +30609,7 @@
               </p14:xfrm>
             </p:contentPart>
           </mc:Choice>
-          <mc:Fallback>
+          <mc:Fallback xmlns="">
             <p:pic>
               <p:nvPicPr>
                 <p:cNvPr id="194" name="Ink 193">
@@ -30922,8 +30640,8 @@
             </p:pic>
           </mc:Fallback>
         </mc:AlternateContent>
-        <mc:AlternateContent xmlns:mc="http://schemas.openxmlformats.org/markup-compatibility/2006">
-          <mc:Choice xmlns:p14="http://schemas.microsoft.com/office/powerpoint/2010/main" Requires="p14">
+        <mc:AlternateContent xmlns:mc="http://schemas.openxmlformats.org/markup-compatibility/2006" xmlns:p14="http://schemas.microsoft.com/office/powerpoint/2010/main">
+          <mc:Choice Requires="p14">
             <p:contentPart p14:bwMode="auto" r:id="rId340">
               <p14:nvContentPartPr>
                 <p14:cNvPr id="195" name="Ink 194">
@@ -30942,7 +30660,7 @@
               </p14:xfrm>
             </p:contentPart>
           </mc:Choice>
-          <mc:Fallback>
+          <mc:Fallback xmlns="">
             <p:pic>
               <p:nvPicPr>
                 <p:cNvPr id="195" name="Ink 194">
@@ -30973,8 +30691,8 @@
             </p:pic>
           </mc:Fallback>
         </mc:AlternateContent>
-        <mc:AlternateContent xmlns:mc="http://schemas.openxmlformats.org/markup-compatibility/2006">
-          <mc:Choice xmlns:p14="http://schemas.microsoft.com/office/powerpoint/2010/main" Requires="p14">
+        <mc:AlternateContent xmlns:mc="http://schemas.openxmlformats.org/markup-compatibility/2006" xmlns:p14="http://schemas.microsoft.com/office/powerpoint/2010/main">
+          <mc:Choice Requires="p14">
             <p:contentPart p14:bwMode="auto" r:id="rId342">
               <p14:nvContentPartPr>
                 <p14:cNvPr id="196" name="Ink 195">
@@ -30993,7 +30711,7 @@
               </p14:xfrm>
             </p:contentPart>
           </mc:Choice>
-          <mc:Fallback>
+          <mc:Fallback xmlns="">
             <p:pic>
               <p:nvPicPr>
                 <p:cNvPr id="196" name="Ink 195">
@@ -31024,8 +30742,8 @@
             </p:pic>
           </mc:Fallback>
         </mc:AlternateContent>
-        <mc:AlternateContent xmlns:mc="http://schemas.openxmlformats.org/markup-compatibility/2006">
-          <mc:Choice xmlns:p14="http://schemas.microsoft.com/office/powerpoint/2010/main" Requires="p14">
+        <mc:AlternateContent xmlns:mc="http://schemas.openxmlformats.org/markup-compatibility/2006" xmlns:p14="http://schemas.microsoft.com/office/powerpoint/2010/main">
+          <mc:Choice Requires="p14">
             <p:contentPart p14:bwMode="auto" r:id="rId344">
               <p14:nvContentPartPr>
                 <p14:cNvPr id="197" name="Ink 196">
@@ -31044,7 +30762,7 @@
               </p14:xfrm>
             </p:contentPart>
           </mc:Choice>
-          <mc:Fallback>
+          <mc:Fallback xmlns="">
             <p:pic>
               <p:nvPicPr>
                 <p:cNvPr id="197" name="Ink 196">
@@ -31075,8 +30793,8 @@
             </p:pic>
           </mc:Fallback>
         </mc:AlternateContent>
-        <mc:AlternateContent xmlns:mc="http://schemas.openxmlformats.org/markup-compatibility/2006">
-          <mc:Choice xmlns:p14="http://schemas.microsoft.com/office/powerpoint/2010/main" Requires="p14">
+        <mc:AlternateContent xmlns:mc="http://schemas.openxmlformats.org/markup-compatibility/2006" xmlns:p14="http://schemas.microsoft.com/office/powerpoint/2010/main">
+          <mc:Choice Requires="p14">
             <p:contentPart p14:bwMode="auto" r:id="rId346">
               <p14:nvContentPartPr>
                 <p14:cNvPr id="199" name="Ink 198">
@@ -31095,7 +30813,7 @@
               </p14:xfrm>
             </p:contentPart>
           </mc:Choice>
-          <mc:Fallback>
+          <mc:Fallback xmlns="">
             <p:pic>
               <p:nvPicPr>
                 <p:cNvPr id="199" name="Ink 198">
@@ -31129,10 +30847,10 @@
       </p:grpSp>
       <p:grpSp>
         <p:nvGrpSpPr>
-          <p:cNvPr id="214" name="Group 213">
+          <p:cNvPr id="232" name="Group 231">
             <a:extLst>
               <a:ext uri="{FF2B5EF4-FFF2-40B4-BE49-F238E27FC236}">
-                <a16:creationId xmlns:a16="http://schemas.microsoft.com/office/drawing/2014/main" id="{9B36153E-698F-41DB-901B-DE84907C1735}"/>
+                <a16:creationId xmlns:a16="http://schemas.microsoft.com/office/drawing/2014/main" id="{7A5A22F6-19C3-4ABA-B177-9E6BB02FCB98}"/>
               </a:ext>
             </a:extLst>
           </p:cNvPr>
@@ -31141,20 +30859,20 @@
         </p:nvGrpSpPr>
         <p:grpSpPr>
           <a:xfrm>
-            <a:off x="10451205" y="3923655"/>
-            <a:ext cx="855360" cy="311040"/>
-            <a:chOff x="10451205" y="3923655"/>
-            <a:chExt cx="855360" cy="311040"/>
+            <a:off x="10459125" y="3926535"/>
+            <a:ext cx="849240" cy="281880"/>
+            <a:chOff x="10459125" y="3926535"/>
+            <a:chExt cx="849240" cy="281880"/>
           </a:xfrm>
         </p:grpSpPr>
         <mc:AlternateContent xmlns:mc="http://schemas.openxmlformats.org/markup-compatibility/2006">
           <mc:Choice xmlns:p14="http://schemas.microsoft.com/office/powerpoint/2010/main" Requires="p14">
             <p:contentPart p14:bwMode="auto" r:id="rId348">
               <p14:nvContentPartPr>
-                <p14:cNvPr id="208" name="Ink 207">
-                  <a:extLst>
-                    <a:ext uri="{FF2B5EF4-FFF2-40B4-BE49-F238E27FC236}">
-                      <a16:creationId xmlns:a16="http://schemas.microsoft.com/office/drawing/2014/main" id="{6E817E6B-7041-4AEE-8C23-A824BD077C93}"/>
+                <p14:cNvPr id="226" name="Ink 225">
+                  <a:extLst>
+                    <a:ext uri="{FF2B5EF4-FFF2-40B4-BE49-F238E27FC236}">
+                      <a16:creationId xmlns:a16="http://schemas.microsoft.com/office/drawing/2014/main" id="{24FA6B53-FF70-4B37-8988-23F8E4DBADEB}"/>
                     </a:ext>
                   </a:extLst>
                 </p14:cNvPr>
@@ -31162,18 +30880,18 @@
                 <p14:nvPr/>
               </p14:nvContentPartPr>
               <p14:xfrm>
-                <a:off x="10570005" y="3979095"/>
-                <a:ext cx="16560" cy="220680"/>
+                <a:off x="10459125" y="3943095"/>
+                <a:ext cx="168840" cy="213840"/>
               </p14:xfrm>
             </p:contentPart>
           </mc:Choice>
           <mc:Fallback>
             <p:pic>
               <p:nvPicPr>
-                <p:cNvPr id="208" name="Ink 207">
-                  <a:extLst>
-                    <a:ext uri="{FF2B5EF4-FFF2-40B4-BE49-F238E27FC236}">
-                      <a16:creationId xmlns:a16="http://schemas.microsoft.com/office/drawing/2014/main" id="{6E817E6B-7041-4AEE-8C23-A824BD077C93}"/>
+                <p:cNvPr id="226" name="Ink 225">
+                  <a:extLst>
+                    <a:ext uri="{FF2B5EF4-FFF2-40B4-BE49-F238E27FC236}">
+                      <a16:creationId xmlns:a16="http://schemas.microsoft.com/office/drawing/2014/main" id="{24FA6B53-FF70-4B37-8988-23F8E4DBADEB}"/>
                     </a:ext>
                   </a:extLst>
                 </p:cNvPr>
@@ -31188,8 +30906,8 @@
               </p:blipFill>
               <p:spPr>
                 <a:xfrm>
-                  <a:off x="10561005" y="3970095"/>
-                  <a:ext cx="34200" cy="238320"/>
+                  <a:off x="10450125" y="3934095"/>
+                  <a:ext cx="186480" cy="231480"/>
                 </a:xfrm>
                 <a:prstGeom prst="rect">
                   <a:avLst/>
@@ -31202,10 +30920,10 @@
           <mc:Choice xmlns:p14="http://schemas.microsoft.com/office/powerpoint/2010/main" Requires="p14">
             <p:contentPart p14:bwMode="auto" r:id="rId350">
               <p14:nvContentPartPr>
-                <p14:cNvPr id="209" name="Ink 208">
-                  <a:extLst>
-                    <a:ext uri="{FF2B5EF4-FFF2-40B4-BE49-F238E27FC236}">
-                      <a16:creationId xmlns:a16="http://schemas.microsoft.com/office/drawing/2014/main" id="{C98B3742-D57D-4682-B97C-117F3CF2CF79}"/>
+                <p14:cNvPr id="227" name="Ink 226">
+                  <a:extLst>
+                    <a:ext uri="{FF2B5EF4-FFF2-40B4-BE49-F238E27FC236}">
+                      <a16:creationId xmlns:a16="http://schemas.microsoft.com/office/drawing/2014/main" id="{5C5EACB9-BC5E-49C5-9904-30411BACC109}"/>
                     </a:ext>
                   </a:extLst>
                 </p14:cNvPr>
@@ -31213,18 +30931,18 @@
                 <p14:nvPr/>
               </p14:nvContentPartPr>
               <p14:xfrm>
-                <a:off x="10530405" y="4167735"/>
-                <a:ext cx="153360" cy="54000"/>
+                <a:off x="10881405" y="3969015"/>
+                <a:ext cx="11160" cy="209160"/>
               </p14:xfrm>
             </p:contentPart>
           </mc:Choice>
           <mc:Fallback>
             <p:pic>
               <p:nvPicPr>
-                <p:cNvPr id="209" name="Ink 208">
-                  <a:extLst>
-                    <a:ext uri="{FF2B5EF4-FFF2-40B4-BE49-F238E27FC236}">
-                      <a16:creationId xmlns:a16="http://schemas.microsoft.com/office/drawing/2014/main" id="{C98B3742-D57D-4682-B97C-117F3CF2CF79}"/>
+                <p:cNvPr id="227" name="Ink 226">
+                  <a:extLst>
+                    <a:ext uri="{FF2B5EF4-FFF2-40B4-BE49-F238E27FC236}">
+                      <a16:creationId xmlns:a16="http://schemas.microsoft.com/office/drawing/2014/main" id="{5C5EACB9-BC5E-49C5-9904-30411BACC109}"/>
                     </a:ext>
                   </a:extLst>
                 </p:cNvPr>
@@ -31239,8 +30957,8 @@
               </p:blipFill>
               <p:spPr>
                 <a:xfrm>
-                  <a:off x="10521405" y="4158735"/>
-                  <a:ext cx="171000" cy="71640"/>
+                  <a:off x="10872405" y="3960015"/>
+                  <a:ext cx="28800" cy="226800"/>
                 </a:xfrm>
                 <a:prstGeom prst="rect">
                   <a:avLst/>
@@ -31253,10 +30971,10 @@
           <mc:Choice xmlns:p14="http://schemas.microsoft.com/office/powerpoint/2010/main" Requires="p14">
             <p:contentPart p14:bwMode="auto" r:id="rId352">
               <p14:nvContentPartPr>
-                <p14:cNvPr id="210" name="Ink 209">
-                  <a:extLst>
-                    <a:ext uri="{FF2B5EF4-FFF2-40B4-BE49-F238E27FC236}">
-                      <a16:creationId xmlns:a16="http://schemas.microsoft.com/office/drawing/2014/main" id="{24C5CD77-183E-45FB-8BCD-005BE71C31AF}"/>
+                <p14:cNvPr id="228" name="Ink 227">
+                  <a:extLst>
+                    <a:ext uri="{FF2B5EF4-FFF2-40B4-BE49-F238E27FC236}">
+                      <a16:creationId xmlns:a16="http://schemas.microsoft.com/office/drawing/2014/main" id="{EF919C2F-4086-4E1E-B382-8AC7CD51167E}"/>
                     </a:ext>
                   </a:extLst>
                 </p14:cNvPr>
@@ -31264,18 +30982,18 @@
                 <p14:nvPr/>
               </p14:nvContentPartPr>
               <p14:xfrm>
-                <a:off x="10451205" y="3923655"/>
-                <a:ext cx="284760" cy="93960"/>
+                <a:off x="10824165" y="4164495"/>
+                <a:ext cx="163440" cy="43920"/>
               </p14:xfrm>
             </p:contentPart>
           </mc:Choice>
           <mc:Fallback>
             <p:pic>
               <p:nvPicPr>
-                <p:cNvPr id="210" name="Ink 209">
-                  <a:extLst>
-                    <a:ext uri="{FF2B5EF4-FFF2-40B4-BE49-F238E27FC236}">
-                      <a16:creationId xmlns:a16="http://schemas.microsoft.com/office/drawing/2014/main" id="{24C5CD77-183E-45FB-8BCD-005BE71C31AF}"/>
+                <p:cNvPr id="228" name="Ink 227">
+                  <a:extLst>
+                    <a:ext uri="{FF2B5EF4-FFF2-40B4-BE49-F238E27FC236}">
+                      <a16:creationId xmlns:a16="http://schemas.microsoft.com/office/drawing/2014/main" id="{EF919C2F-4086-4E1E-B382-8AC7CD51167E}"/>
                     </a:ext>
                   </a:extLst>
                 </p:cNvPr>
@@ -31290,8 +31008,8 @@
               </p:blipFill>
               <p:spPr>
                 <a:xfrm>
-                  <a:off x="10442205" y="3914655"/>
-                  <a:ext cx="302400" cy="111600"/>
+                  <a:off x="10815525" y="4155855"/>
+                  <a:ext cx="181080" cy="61560"/>
                 </a:xfrm>
                 <a:prstGeom prst="rect">
                   <a:avLst/>
@@ -31304,10 +31022,10 @@
           <mc:Choice xmlns:p14="http://schemas.microsoft.com/office/powerpoint/2010/main" Requires="p14">
             <p:contentPart p14:bwMode="auto" r:id="rId354">
               <p14:nvContentPartPr>
-                <p14:cNvPr id="211" name="Ink 210">
-                  <a:extLst>
-                    <a:ext uri="{FF2B5EF4-FFF2-40B4-BE49-F238E27FC236}">
-                      <a16:creationId xmlns:a16="http://schemas.microsoft.com/office/drawing/2014/main" id="{7EF4448A-A2BC-4A30-B317-030FFD44D581}"/>
+                <p14:cNvPr id="229" name="Ink 228">
+                  <a:extLst>
+                    <a:ext uri="{FF2B5EF4-FFF2-40B4-BE49-F238E27FC236}">
+                      <a16:creationId xmlns:a16="http://schemas.microsoft.com/office/drawing/2014/main" id="{1DA69BE0-E519-447C-94AF-B4723D351E87}"/>
                     </a:ext>
                   </a:extLst>
                 </p14:cNvPr>
@@ -31315,18 +31033,18 @@
                 <p14:nvPr/>
               </p14:nvContentPartPr>
               <p14:xfrm>
-                <a:off x="10860165" y="3974415"/>
-                <a:ext cx="105480" cy="219240"/>
+                <a:off x="10802205" y="3926535"/>
+                <a:ext cx="225360" cy="66600"/>
               </p14:xfrm>
             </p:contentPart>
           </mc:Choice>
           <mc:Fallback>
             <p:pic>
               <p:nvPicPr>
-                <p:cNvPr id="211" name="Ink 210">
-                  <a:extLst>
-                    <a:ext uri="{FF2B5EF4-FFF2-40B4-BE49-F238E27FC236}">
-                      <a16:creationId xmlns:a16="http://schemas.microsoft.com/office/drawing/2014/main" id="{7EF4448A-A2BC-4A30-B317-030FFD44D581}"/>
+                <p:cNvPr id="229" name="Ink 228">
+                  <a:extLst>
+                    <a:ext uri="{FF2B5EF4-FFF2-40B4-BE49-F238E27FC236}">
+                      <a16:creationId xmlns:a16="http://schemas.microsoft.com/office/drawing/2014/main" id="{1DA69BE0-E519-447C-94AF-B4723D351E87}"/>
                     </a:ext>
                   </a:extLst>
                 </p:cNvPr>
@@ -31341,8 +31059,8 @@
               </p:blipFill>
               <p:spPr>
                 <a:xfrm>
-                  <a:off x="10851525" y="3965415"/>
-                  <a:ext cx="123120" cy="236880"/>
+                  <a:off x="10793205" y="3917535"/>
+                  <a:ext cx="243000" cy="84240"/>
                 </a:xfrm>
                 <a:prstGeom prst="rect">
                   <a:avLst/>
@@ -31355,10 +31073,10 @@
           <mc:Choice xmlns:p14="http://schemas.microsoft.com/office/powerpoint/2010/main" Requires="p14">
             <p:contentPart p14:bwMode="auto" r:id="rId356">
               <p14:nvContentPartPr>
-                <p14:cNvPr id="212" name="Ink 211">
-                  <a:extLst>
-                    <a:ext uri="{FF2B5EF4-FFF2-40B4-BE49-F238E27FC236}">
-                      <a16:creationId xmlns:a16="http://schemas.microsoft.com/office/drawing/2014/main" id="{C33D9AC4-ED8D-47B5-A534-A376DB909ACA}"/>
+                <p14:cNvPr id="230" name="Ink 229">
+                  <a:extLst>
+                    <a:ext uri="{FF2B5EF4-FFF2-40B4-BE49-F238E27FC236}">
+                      <a16:creationId xmlns:a16="http://schemas.microsoft.com/office/drawing/2014/main" id="{67B16CFF-E9E7-423C-84A6-72D2F95BF8DA}"/>
                     </a:ext>
                   </a:extLst>
                 </p14:cNvPr>
@@ -31366,18 +31084,18 @@
                 <p14:nvPr/>
               </p14:nvContentPartPr>
               <p14:xfrm>
-                <a:off x="10852605" y="3935895"/>
-                <a:ext cx="177840" cy="60840"/>
+                <a:off x="11104605" y="3983055"/>
+                <a:ext cx="130680" cy="196200"/>
               </p14:xfrm>
             </p:contentPart>
           </mc:Choice>
           <mc:Fallback>
             <p:pic>
               <p:nvPicPr>
-                <p:cNvPr id="212" name="Ink 211">
-                  <a:extLst>
-                    <a:ext uri="{FF2B5EF4-FFF2-40B4-BE49-F238E27FC236}">
-                      <a16:creationId xmlns:a16="http://schemas.microsoft.com/office/drawing/2014/main" id="{C33D9AC4-ED8D-47B5-A534-A376DB909ACA}"/>
+                <p:cNvPr id="230" name="Ink 229">
+                  <a:extLst>
+                    <a:ext uri="{FF2B5EF4-FFF2-40B4-BE49-F238E27FC236}">
+                      <a16:creationId xmlns:a16="http://schemas.microsoft.com/office/drawing/2014/main" id="{67B16CFF-E9E7-423C-84A6-72D2F95BF8DA}"/>
                     </a:ext>
                   </a:extLst>
                 </p:cNvPr>
@@ -31392,8 +31110,8 @@
               </p:blipFill>
               <p:spPr>
                 <a:xfrm>
-                  <a:off x="10843605" y="3926895"/>
-                  <a:ext cx="195480" cy="78480"/>
+                  <a:off x="11095605" y="3974415"/>
+                  <a:ext cx="148320" cy="213840"/>
                 </a:xfrm>
                 <a:prstGeom prst="rect">
                   <a:avLst/>
@@ -31406,10 +31124,10 @@
           <mc:Choice xmlns:p14="http://schemas.microsoft.com/office/powerpoint/2010/main" Requires="p14">
             <p:contentPart p14:bwMode="auto" r:id="rId358">
               <p14:nvContentPartPr>
-                <p14:cNvPr id="213" name="Ink 212">
-                  <a:extLst>
-                    <a:ext uri="{FF2B5EF4-FFF2-40B4-BE49-F238E27FC236}">
-                      <a16:creationId xmlns:a16="http://schemas.microsoft.com/office/drawing/2014/main" id="{CE4931B0-B620-4DA4-90EB-9AC3770CA3E7}"/>
+                <p14:cNvPr id="231" name="Ink 230">
+                  <a:extLst>
+                    <a:ext uri="{FF2B5EF4-FFF2-40B4-BE49-F238E27FC236}">
+                      <a16:creationId xmlns:a16="http://schemas.microsoft.com/office/drawing/2014/main" id="{158A7BB9-B9D2-488D-B860-BC6A0886AC34}"/>
                     </a:ext>
                   </a:extLst>
                 </p14:cNvPr>
@@ -31417,18 +31135,18 @@
                 <p14:nvPr/>
               </p14:nvContentPartPr>
               <p14:xfrm>
-                <a:off x="11121525" y="3942375"/>
-                <a:ext cx="185040" cy="292320"/>
+                <a:off x="11144205" y="3939855"/>
+                <a:ext cx="164160" cy="43920"/>
               </p14:xfrm>
             </p:contentPart>
           </mc:Choice>
           <mc:Fallback>
             <p:pic>
               <p:nvPicPr>
-                <p:cNvPr id="213" name="Ink 212">
-                  <a:extLst>
-                    <a:ext uri="{FF2B5EF4-FFF2-40B4-BE49-F238E27FC236}">
-                      <a16:creationId xmlns:a16="http://schemas.microsoft.com/office/drawing/2014/main" id="{CE4931B0-B620-4DA4-90EB-9AC3770CA3E7}"/>
+                <p:cNvPr id="231" name="Ink 230">
+                  <a:extLst>
+                    <a:ext uri="{FF2B5EF4-FFF2-40B4-BE49-F238E27FC236}">
+                      <a16:creationId xmlns:a16="http://schemas.microsoft.com/office/drawing/2014/main" id="{158A7BB9-B9D2-488D-B860-BC6A0886AC34}"/>
                     </a:ext>
                   </a:extLst>
                 </p:cNvPr>
@@ -31443,509 +31161,8 @@
               </p:blipFill>
               <p:spPr>
                 <a:xfrm>
-                  <a:off x="11112525" y="3933735"/>
-                  <a:ext cx="202680" cy="309960"/>
-                </a:xfrm>
-                <a:prstGeom prst="rect">
-                  <a:avLst/>
-                </a:prstGeom>
-              </p:spPr>
-            </p:pic>
-          </mc:Fallback>
-        </mc:AlternateContent>
-      </p:grpSp>
-      <p:grpSp>
-        <p:nvGrpSpPr>
-          <p:cNvPr id="225" name="Group 224">
-            <a:extLst>
-              <a:ext uri="{FF2B5EF4-FFF2-40B4-BE49-F238E27FC236}">
-                <a16:creationId xmlns:a16="http://schemas.microsoft.com/office/drawing/2014/main" id="{6A415532-6817-4849-8543-B94D970071CD}"/>
-              </a:ext>
-            </a:extLst>
-          </p:cNvPr>
-          <p:cNvGrpSpPr/>
-          <p:nvPr/>
-        </p:nvGrpSpPr>
-        <p:grpSpPr>
-          <a:xfrm>
-            <a:off x="11790045" y="6168255"/>
-            <a:ext cx="138960" cy="155160"/>
-            <a:chOff x="11790045" y="6168255"/>
-            <a:chExt cx="138960" cy="155160"/>
-          </a:xfrm>
-        </p:grpSpPr>
-        <mc:AlternateContent xmlns:mc="http://schemas.openxmlformats.org/markup-compatibility/2006">
-          <mc:Choice xmlns:p14="http://schemas.microsoft.com/office/powerpoint/2010/main" Requires="p14">
-            <p:contentPart p14:bwMode="auto" r:id="rId360">
-              <p14:nvContentPartPr>
-                <p14:cNvPr id="215" name="Ink 214">
-                  <a:extLst>
-                    <a:ext uri="{FF2B5EF4-FFF2-40B4-BE49-F238E27FC236}">
-                      <a16:creationId xmlns:a16="http://schemas.microsoft.com/office/drawing/2014/main" id="{0A63724A-04FA-4519-B931-FD5B0EA075EA}"/>
-                    </a:ext>
-                  </a:extLst>
-                </p14:cNvPr>
-                <p14:cNvContentPartPr/>
-                <p14:nvPr/>
-              </p14:nvContentPartPr>
-              <p14:xfrm>
-                <a:off x="11790045" y="6287415"/>
-                <a:ext cx="72360" cy="36000"/>
-              </p14:xfrm>
-            </p:contentPart>
-          </mc:Choice>
-          <mc:Fallback>
-            <p:pic>
-              <p:nvPicPr>
-                <p:cNvPr id="215" name="Ink 214">
-                  <a:extLst>
-                    <a:ext uri="{FF2B5EF4-FFF2-40B4-BE49-F238E27FC236}">
-                      <a16:creationId xmlns:a16="http://schemas.microsoft.com/office/drawing/2014/main" id="{0A63724A-04FA-4519-B931-FD5B0EA075EA}"/>
-                    </a:ext>
-                  </a:extLst>
-                </p:cNvPr>
-                <p:cNvPicPr/>
-                <p:nvPr/>
-              </p:nvPicPr>
-              <p:blipFill>
-                <a:blip r:embed="rId361"/>
-                <a:stretch>
-                  <a:fillRect/>
-                </a:stretch>
-              </p:blipFill>
-              <p:spPr>
-                <a:xfrm>
-                  <a:off x="11781405" y="6278775"/>
-                  <a:ext cx="90000" cy="53640"/>
-                </a:xfrm>
-                <a:prstGeom prst="rect">
-                  <a:avLst/>
-                </a:prstGeom>
-              </p:spPr>
-            </p:pic>
-          </mc:Fallback>
-        </mc:AlternateContent>
-        <mc:AlternateContent xmlns:mc="http://schemas.openxmlformats.org/markup-compatibility/2006">
-          <mc:Choice xmlns:p14="http://schemas.microsoft.com/office/powerpoint/2010/main" Requires="p14">
-            <p:contentPart p14:bwMode="auto" r:id="rId362">
-              <p14:nvContentPartPr>
-                <p14:cNvPr id="216" name="Ink 215">
-                  <a:extLst>
-                    <a:ext uri="{FF2B5EF4-FFF2-40B4-BE49-F238E27FC236}">
-                      <a16:creationId xmlns:a16="http://schemas.microsoft.com/office/drawing/2014/main" id="{83C7CDEC-8C8A-47B8-9A04-7F1F417EC346}"/>
-                    </a:ext>
-                  </a:extLst>
-                </p14:cNvPr>
-                <p14:cNvContentPartPr/>
-                <p14:nvPr/>
-              </p14:nvContentPartPr>
-              <p14:xfrm>
-                <a:off x="11905245" y="6168255"/>
-                <a:ext cx="23760" cy="39240"/>
-              </p14:xfrm>
-            </p:contentPart>
-          </mc:Choice>
-          <mc:Fallback>
-            <p:pic>
-              <p:nvPicPr>
-                <p:cNvPr id="216" name="Ink 215">
-                  <a:extLst>
-                    <a:ext uri="{FF2B5EF4-FFF2-40B4-BE49-F238E27FC236}">
-                      <a16:creationId xmlns:a16="http://schemas.microsoft.com/office/drawing/2014/main" id="{83C7CDEC-8C8A-47B8-9A04-7F1F417EC346}"/>
-                    </a:ext>
-                  </a:extLst>
-                </p:cNvPr>
-                <p:cNvPicPr/>
-                <p:nvPr/>
-              </p:nvPicPr>
-              <p:blipFill>
-                <a:blip r:embed="rId363"/>
-                <a:stretch>
-                  <a:fillRect/>
-                </a:stretch>
-              </p:blipFill>
-              <p:spPr>
-                <a:xfrm>
-                  <a:off x="11896605" y="6159615"/>
-                  <a:ext cx="41400" cy="56880"/>
-                </a:xfrm>
-                <a:prstGeom prst="rect">
-                  <a:avLst/>
-                </a:prstGeom>
-              </p:spPr>
-            </p:pic>
-          </mc:Fallback>
-        </mc:AlternateContent>
-      </p:grpSp>
-      <mc:AlternateContent xmlns:mc="http://schemas.openxmlformats.org/markup-compatibility/2006">
-        <mc:Choice xmlns:p14="http://schemas.microsoft.com/office/powerpoint/2010/main" Requires="p14">
-          <p:contentPart p14:bwMode="auto" r:id="rId364">
-            <p14:nvContentPartPr>
-              <p14:cNvPr id="217" name="Ink 216">
-                <a:extLst>
-                  <a:ext uri="{FF2B5EF4-FFF2-40B4-BE49-F238E27FC236}">
-                    <a16:creationId xmlns:a16="http://schemas.microsoft.com/office/drawing/2014/main" id="{E1DAAC45-07B0-4F18-8AD9-CDAC81D70444}"/>
-                  </a:ext>
-                </a:extLst>
-              </p14:cNvPr>
-              <p14:cNvContentPartPr/>
-              <p14:nvPr/>
-            </p14:nvContentPartPr>
-            <p14:xfrm>
-              <a:off x="11957445" y="5987895"/>
-              <a:ext cx="5760" cy="48960"/>
-            </p14:xfrm>
-          </p:contentPart>
-        </mc:Choice>
-        <mc:Fallback>
-          <p:pic>
-            <p:nvPicPr>
-              <p:cNvPr id="217" name="Ink 216">
-                <a:extLst>
-                  <a:ext uri="{FF2B5EF4-FFF2-40B4-BE49-F238E27FC236}">
-                    <a16:creationId xmlns:a16="http://schemas.microsoft.com/office/drawing/2014/main" id="{E1DAAC45-07B0-4F18-8AD9-CDAC81D70444}"/>
-                  </a:ext>
-                </a:extLst>
-              </p:cNvPr>
-              <p:cNvPicPr/>
-              <p:nvPr/>
-            </p:nvPicPr>
-            <p:blipFill>
-              <a:blip r:embed="rId365"/>
-              <a:stretch>
-                <a:fillRect/>
-              </a:stretch>
-            </p:blipFill>
-            <p:spPr>
-              <a:xfrm>
-                <a:off x="11948805" y="5978895"/>
-                <a:ext cx="23400" cy="66600"/>
-              </a:xfrm>
-              <a:prstGeom prst="rect">
-                <a:avLst/>
-              </a:prstGeom>
-            </p:spPr>
-          </p:pic>
-        </mc:Fallback>
-      </mc:AlternateContent>
-      <p:grpSp>
-        <p:nvGrpSpPr>
-          <p:cNvPr id="224" name="Group 223">
-            <a:extLst>
-              <a:ext uri="{FF2B5EF4-FFF2-40B4-BE49-F238E27FC236}">
-                <a16:creationId xmlns:a16="http://schemas.microsoft.com/office/drawing/2014/main" id="{F5DBDCC2-8710-43E4-860C-FE81971F459C}"/>
-              </a:ext>
-            </a:extLst>
-          </p:cNvPr>
-          <p:cNvGrpSpPr/>
-          <p:nvPr/>
-        </p:nvGrpSpPr>
-        <p:grpSpPr>
-          <a:xfrm>
-            <a:off x="11104605" y="4892775"/>
-            <a:ext cx="815400" cy="994320"/>
-            <a:chOff x="11104605" y="4892775"/>
-            <a:chExt cx="815400" cy="994320"/>
-          </a:xfrm>
-        </p:grpSpPr>
-        <mc:AlternateContent xmlns:mc="http://schemas.openxmlformats.org/markup-compatibility/2006">
-          <mc:Choice xmlns:p14="http://schemas.microsoft.com/office/powerpoint/2010/main" Requires="p14">
-            <p:contentPart p14:bwMode="auto" r:id="rId366">
-              <p14:nvContentPartPr>
-                <p14:cNvPr id="218" name="Ink 217">
-                  <a:extLst>
-                    <a:ext uri="{FF2B5EF4-FFF2-40B4-BE49-F238E27FC236}">
-                      <a16:creationId xmlns:a16="http://schemas.microsoft.com/office/drawing/2014/main" id="{4E1109CE-7227-440F-A13F-AEAB1FAC087D}"/>
-                    </a:ext>
-                  </a:extLst>
-                </p14:cNvPr>
-                <p14:cNvContentPartPr/>
-                <p14:nvPr/>
-              </p14:nvContentPartPr>
-              <p14:xfrm>
-                <a:off x="11784645" y="5618535"/>
-                <a:ext cx="135360" cy="268560"/>
-              </p14:xfrm>
-            </p:contentPart>
-          </mc:Choice>
-          <mc:Fallback>
-            <p:pic>
-              <p:nvPicPr>
-                <p:cNvPr id="218" name="Ink 217">
-                  <a:extLst>
-                    <a:ext uri="{FF2B5EF4-FFF2-40B4-BE49-F238E27FC236}">
-                      <a16:creationId xmlns:a16="http://schemas.microsoft.com/office/drawing/2014/main" id="{4E1109CE-7227-440F-A13F-AEAB1FAC087D}"/>
-                    </a:ext>
-                  </a:extLst>
-                </p:cNvPr>
-                <p:cNvPicPr/>
-                <p:nvPr/>
-              </p:nvPicPr>
-              <p:blipFill>
-                <a:blip r:embed="rId367"/>
-                <a:stretch>
-                  <a:fillRect/>
-                </a:stretch>
-              </p:blipFill>
-              <p:spPr>
-                <a:xfrm>
-                  <a:off x="11776005" y="5609535"/>
-                  <a:ext cx="153000" cy="286200"/>
-                </a:xfrm>
-                <a:prstGeom prst="rect">
-                  <a:avLst/>
-                </a:prstGeom>
-              </p:spPr>
-            </p:pic>
-          </mc:Fallback>
-        </mc:AlternateContent>
-        <mc:AlternateContent xmlns:mc="http://schemas.openxmlformats.org/markup-compatibility/2006">
-          <mc:Choice xmlns:p14="http://schemas.microsoft.com/office/powerpoint/2010/main" Requires="p14">
-            <p:contentPart p14:bwMode="auto" r:id="rId368">
-              <p14:nvContentPartPr>
-                <p14:cNvPr id="219" name="Ink 218">
-                  <a:extLst>
-                    <a:ext uri="{FF2B5EF4-FFF2-40B4-BE49-F238E27FC236}">
-                      <a16:creationId xmlns:a16="http://schemas.microsoft.com/office/drawing/2014/main" id="{A53A767D-51D5-43B3-9B20-0CBAC4EAD199}"/>
-                    </a:ext>
-                  </a:extLst>
-                </p14:cNvPr>
-                <p14:cNvContentPartPr/>
-                <p14:nvPr/>
-              </p14:nvContentPartPr>
-              <p14:xfrm>
-                <a:off x="11660805" y="5486415"/>
-                <a:ext cx="50760" cy="65160"/>
-              </p14:xfrm>
-            </p:contentPart>
-          </mc:Choice>
-          <mc:Fallback>
-            <p:pic>
-              <p:nvPicPr>
-                <p:cNvPr id="219" name="Ink 218">
-                  <a:extLst>
-                    <a:ext uri="{FF2B5EF4-FFF2-40B4-BE49-F238E27FC236}">
-                      <a16:creationId xmlns:a16="http://schemas.microsoft.com/office/drawing/2014/main" id="{A53A767D-51D5-43B3-9B20-0CBAC4EAD199}"/>
-                    </a:ext>
-                  </a:extLst>
-                </p:cNvPr>
-                <p:cNvPicPr/>
-                <p:nvPr/>
-              </p:nvPicPr>
-              <p:blipFill>
-                <a:blip r:embed="rId369"/>
-                <a:stretch>
-                  <a:fillRect/>
-                </a:stretch>
-              </p:blipFill>
-              <p:spPr>
-                <a:xfrm>
-                  <a:off x="11651805" y="5477775"/>
-                  <a:ext cx="68400" cy="82800"/>
-                </a:xfrm>
-                <a:prstGeom prst="rect">
-                  <a:avLst/>
-                </a:prstGeom>
-              </p:spPr>
-            </p:pic>
-          </mc:Fallback>
-        </mc:AlternateContent>
-        <mc:AlternateContent xmlns:mc="http://schemas.openxmlformats.org/markup-compatibility/2006">
-          <mc:Choice xmlns:p14="http://schemas.microsoft.com/office/powerpoint/2010/main" Requires="p14">
-            <p:contentPart p14:bwMode="auto" r:id="rId370">
-              <p14:nvContentPartPr>
-                <p14:cNvPr id="220" name="Ink 219">
-                  <a:extLst>
-                    <a:ext uri="{FF2B5EF4-FFF2-40B4-BE49-F238E27FC236}">
-                      <a16:creationId xmlns:a16="http://schemas.microsoft.com/office/drawing/2014/main" id="{8D0E74FA-D8BC-436D-ACFE-BE3B5A1BB9EE}"/>
-                    </a:ext>
-                  </a:extLst>
-                </p14:cNvPr>
-                <p14:cNvContentPartPr/>
-                <p14:nvPr/>
-              </p14:nvContentPartPr>
-              <p14:xfrm>
-                <a:off x="11403405" y="5212815"/>
-                <a:ext cx="160560" cy="192240"/>
-              </p14:xfrm>
-            </p:contentPart>
-          </mc:Choice>
-          <mc:Fallback>
-            <p:pic>
-              <p:nvPicPr>
-                <p:cNvPr id="220" name="Ink 219">
-                  <a:extLst>
-                    <a:ext uri="{FF2B5EF4-FFF2-40B4-BE49-F238E27FC236}">
-                      <a16:creationId xmlns:a16="http://schemas.microsoft.com/office/drawing/2014/main" id="{8D0E74FA-D8BC-436D-ACFE-BE3B5A1BB9EE}"/>
-                    </a:ext>
-                  </a:extLst>
-                </p:cNvPr>
-                <p:cNvPicPr/>
-                <p:nvPr/>
-              </p:nvPicPr>
-              <p:blipFill>
-                <a:blip r:embed="rId371"/>
-                <a:stretch>
-                  <a:fillRect/>
-                </a:stretch>
-              </p:blipFill>
-              <p:spPr>
-                <a:xfrm>
-                  <a:off x="11394405" y="5203815"/>
-                  <a:ext cx="178200" cy="209880"/>
-                </a:xfrm>
-                <a:prstGeom prst="rect">
-                  <a:avLst/>
-                </a:prstGeom>
-              </p:spPr>
-            </p:pic>
-          </mc:Fallback>
-        </mc:AlternateContent>
-        <mc:AlternateContent xmlns:mc="http://schemas.openxmlformats.org/markup-compatibility/2006">
-          <mc:Choice xmlns:p14="http://schemas.microsoft.com/office/powerpoint/2010/main" Requires="p14">
-            <p:contentPart p14:bwMode="auto" r:id="rId372">
-              <p14:nvContentPartPr>
-                <p14:cNvPr id="221" name="Ink 220">
-                  <a:extLst>
-                    <a:ext uri="{FF2B5EF4-FFF2-40B4-BE49-F238E27FC236}">
-                      <a16:creationId xmlns:a16="http://schemas.microsoft.com/office/drawing/2014/main" id="{93696F7F-760F-4AFE-BC6E-ACFE0B6F4E14}"/>
-                    </a:ext>
-                  </a:extLst>
-                </p14:cNvPr>
-                <p14:cNvContentPartPr/>
-                <p14:nvPr/>
-              </p14:nvContentPartPr>
-              <p14:xfrm>
-                <a:off x="11196405" y="5031375"/>
-                <a:ext cx="147960" cy="146160"/>
-              </p14:xfrm>
-            </p:contentPart>
-          </mc:Choice>
-          <mc:Fallback>
-            <p:pic>
-              <p:nvPicPr>
-                <p:cNvPr id="221" name="Ink 220">
-                  <a:extLst>
-                    <a:ext uri="{FF2B5EF4-FFF2-40B4-BE49-F238E27FC236}">
-                      <a16:creationId xmlns:a16="http://schemas.microsoft.com/office/drawing/2014/main" id="{93696F7F-760F-4AFE-BC6E-ACFE0B6F4E14}"/>
-                    </a:ext>
-                  </a:extLst>
-                </p:cNvPr>
-                <p:cNvPicPr/>
-                <p:nvPr/>
-              </p:nvPicPr>
-              <p:blipFill>
-                <a:blip r:embed="rId373"/>
-                <a:stretch>
-                  <a:fillRect/>
-                </a:stretch>
-              </p:blipFill>
-              <p:spPr>
-                <a:xfrm>
-                  <a:off x="11187405" y="5022375"/>
-                  <a:ext cx="165600" cy="163800"/>
-                </a:xfrm>
-                <a:prstGeom prst="rect">
-                  <a:avLst/>
-                </a:prstGeom>
-              </p:spPr>
-            </p:pic>
-          </mc:Fallback>
-        </mc:AlternateContent>
-        <mc:AlternateContent xmlns:mc="http://schemas.openxmlformats.org/markup-compatibility/2006">
-          <mc:Choice xmlns:p14="http://schemas.microsoft.com/office/powerpoint/2010/main" Requires="p14">
-            <p:contentPart p14:bwMode="auto" r:id="rId374">
-              <p14:nvContentPartPr>
-                <p14:cNvPr id="222" name="Ink 221">
-                  <a:extLst>
-                    <a:ext uri="{FF2B5EF4-FFF2-40B4-BE49-F238E27FC236}">
-                      <a16:creationId xmlns:a16="http://schemas.microsoft.com/office/drawing/2014/main" id="{87727E71-63AC-4FA9-B574-C33668013DB9}"/>
-                    </a:ext>
-                  </a:extLst>
-                </p14:cNvPr>
-                <p14:cNvContentPartPr/>
-                <p14:nvPr/>
-              </p14:nvContentPartPr>
-              <p14:xfrm>
-                <a:off x="11124405" y="4908255"/>
-                <a:ext cx="48960" cy="100080"/>
-              </p14:xfrm>
-            </p:contentPart>
-          </mc:Choice>
-          <mc:Fallback>
-            <p:pic>
-              <p:nvPicPr>
-                <p:cNvPr id="222" name="Ink 221">
-                  <a:extLst>
-                    <a:ext uri="{FF2B5EF4-FFF2-40B4-BE49-F238E27FC236}">
-                      <a16:creationId xmlns:a16="http://schemas.microsoft.com/office/drawing/2014/main" id="{87727E71-63AC-4FA9-B574-C33668013DB9}"/>
-                    </a:ext>
-                  </a:extLst>
-                </p:cNvPr>
-                <p:cNvPicPr/>
-                <p:nvPr/>
-              </p:nvPicPr>
-              <p:blipFill>
-                <a:blip r:embed="rId375"/>
-                <a:stretch>
-                  <a:fillRect/>
-                </a:stretch>
-              </p:blipFill>
-              <p:spPr>
-                <a:xfrm>
-                  <a:off x="11115405" y="4899255"/>
-                  <a:ext cx="66600" cy="117720"/>
-                </a:xfrm>
-                <a:prstGeom prst="rect">
-                  <a:avLst/>
-                </a:prstGeom>
-              </p:spPr>
-            </p:pic>
-          </mc:Fallback>
-        </mc:AlternateContent>
-        <mc:AlternateContent xmlns:mc="http://schemas.openxmlformats.org/markup-compatibility/2006">
-          <mc:Choice xmlns:p14="http://schemas.microsoft.com/office/powerpoint/2010/main" Requires="p14">
-            <p:contentPart p14:bwMode="auto" r:id="rId376">
-              <p14:nvContentPartPr>
-                <p14:cNvPr id="223" name="Ink 222">
-                  <a:extLst>
-                    <a:ext uri="{FF2B5EF4-FFF2-40B4-BE49-F238E27FC236}">
-                      <a16:creationId xmlns:a16="http://schemas.microsoft.com/office/drawing/2014/main" id="{13266B9E-D5DE-4497-BCD6-68CBBDF9A699}"/>
-                    </a:ext>
-                  </a:extLst>
-                </p14:cNvPr>
-                <p14:cNvContentPartPr/>
-                <p14:nvPr/>
-              </p14:nvContentPartPr>
-              <p14:xfrm>
-                <a:off x="11104605" y="4892775"/>
-                <a:ext cx="141840" cy="168120"/>
-              </p14:xfrm>
-            </p:contentPart>
-          </mc:Choice>
-          <mc:Fallback>
-            <p:pic>
-              <p:nvPicPr>
-                <p:cNvPr id="223" name="Ink 222">
-                  <a:extLst>
-                    <a:ext uri="{FF2B5EF4-FFF2-40B4-BE49-F238E27FC236}">
-                      <a16:creationId xmlns:a16="http://schemas.microsoft.com/office/drawing/2014/main" id="{13266B9E-D5DE-4497-BCD6-68CBBDF9A699}"/>
-                    </a:ext>
-                  </a:extLst>
-                </p:cNvPr>
-                <p:cNvPicPr/>
-                <p:nvPr/>
-              </p:nvPicPr>
-              <p:blipFill>
-                <a:blip r:embed="rId377"/>
-                <a:stretch>
-                  <a:fillRect/>
-                </a:stretch>
-              </p:blipFill>
-              <p:spPr>
-                <a:xfrm>
-                  <a:off x="11095605" y="4884135"/>
-                  <a:ext cx="159480" cy="185760"/>
+                  <a:off x="11135205" y="3930855"/>
+                  <a:ext cx="181800" cy="61560"/>
                 </a:xfrm>
                 <a:prstGeom prst="rect">
                   <a:avLst/>
